--- a/spring13/slides13/prob-total.pptx
+++ b/spring13/slides13/prob-total.pptx
@@ -5,23 +5,24 @@
     <p:sldMasterId id="2147483649" r:id="rId1"/>
   </p:sldMasterIdLst>
   <p:notesMasterIdLst>
-    <p:notesMasterId r:id="rId8"/>
+    <p:notesMasterId r:id="rId9"/>
   </p:notesMasterIdLst>
   <p:handoutMasterIdLst>
-    <p:handoutMasterId r:id="rId9"/>
+    <p:handoutMasterId r:id="rId10"/>
   </p:handoutMasterIdLst>
   <p:sldIdLst>
     <p:sldId id="306" r:id="rId2"/>
     <p:sldId id="395" r:id="rId3"/>
     <p:sldId id="401" r:id="rId4"/>
     <p:sldId id="396" r:id="rId5"/>
-    <p:sldId id="402" r:id="rId6"/>
-    <p:sldId id="397" r:id="rId7"/>
+    <p:sldId id="403" r:id="rId6"/>
+    <p:sldId id="402" r:id="rId7"/>
+    <p:sldId id="397" r:id="rId8"/>
   </p:sldIdLst>
   <p:sldSz cx="9144000" cy="6858000" type="screen4x3"/>
   <p:notesSz cx="9601200" cy="7315200"/>
   <p:custDataLst>
-    <p:tags r:id="rId11"/>
+    <p:tags r:id="rId12"/>
   </p:custDataLst>
   <p:defaultTextStyle>
     <a:defPPr>
@@ -1302,6 +1303,94 @@
       </p:grpSpPr>
       <p:sp>
         <p:nvSpPr>
+          <p:cNvPr id="70658" name="Rectangle 7"/>
+          <p:cNvSpPr>
+            <a:spLocks noGrp="1" noChangeArrowheads="1"/>
+          </p:cNvSpPr>
+          <p:nvPr>
+            <p:ph type="sldNum" sz="quarter" idx="5"/>
+          </p:nvPr>
+        </p:nvSpPr>
+        <p:spPr>
+          <a:noFill/>
+        </p:spPr>
+        <p:txBody>
+          <a:bodyPr/>
+          <a:lstStyle/>
+          <a:p>
+            <a:fld id="{CCFAAD23-CB1D-4DDC-BC8B-97A2FA070A4A}" type="slidenum">
+              <a:rPr lang="en-US" smtClean="0"/>
+              <a:pPr/>
+              <a:t>6</a:t>
+            </a:fld>
+            <a:endParaRPr lang="en-US" smtClean="0"/>
+          </a:p>
+        </p:txBody>
+      </p:sp>
+      <p:sp>
+        <p:nvSpPr>
+          <p:cNvPr id="70659" name="Rectangle 2"/>
+          <p:cNvSpPr>
+            <a:spLocks noGrp="1" noRot="1" noChangeAspect="1" noChangeArrowheads="1" noTextEdit="1"/>
+          </p:cNvSpPr>
+          <p:nvPr>
+            <p:ph type="sldImg"/>
+          </p:nvPr>
+        </p:nvSpPr>
+        <p:spPr>
+          <a:ln/>
+        </p:spPr>
+      </p:sp>
+      <p:sp>
+        <p:nvSpPr>
+          <p:cNvPr id="70660" name="Rectangle 3"/>
+          <p:cNvSpPr>
+            <a:spLocks noGrp="1" noChangeArrowheads="1"/>
+          </p:cNvSpPr>
+          <p:nvPr>
+            <p:ph type="body" idx="1"/>
+          </p:nvPr>
+        </p:nvSpPr>
+        <p:spPr>
+          <a:noFill/>
+          <a:ln/>
+        </p:spPr>
+        <p:txBody>
+          <a:bodyPr/>
+          <a:lstStyle/>
+          <a:p>
+            <a:pPr eaLnBrk="1" hangingPunct="1"/>
+            <a:endParaRPr lang="en-US" smtClean="0"/>
+          </a:p>
+        </p:txBody>
+      </p:sp>
+    </p:spTree>
+  </p:cSld>
+  <p:clrMapOvr>
+    <a:masterClrMapping/>
+  </p:clrMapOvr>
+</p:notes>
+</file>
+
+<file path=ppt/notesSlides/notesSlide7.xml><?xml version="1.0" encoding="utf-8"?>
+<p:notes xmlns:a="http://schemas.openxmlformats.org/drawingml/2006/main" xmlns:r="http://schemas.openxmlformats.org/officeDocument/2006/relationships" xmlns:p="http://schemas.openxmlformats.org/presentationml/2006/main">
+  <p:cSld>
+    <p:spTree>
+      <p:nvGrpSpPr>
+        <p:cNvPr id="1" name=""/>
+        <p:cNvGrpSpPr/>
+        <p:nvPr/>
+      </p:nvGrpSpPr>
+      <p:grpSpPr>
+        <a:xfrm>
+          <a:off x="0" y="0"/>
+          <a:ext cx="0" cy="0"/>
+          <a:chOff x="0" y="0"/>
+          <a:chExt cx="0" cy="0"/>
+        </a:xfrm>
+      </p:grpSpPr>
+      <p:sp>
+        <p:nvSpPr>
           <p:cNvPr id="71682" name="Rectangle 7"/>
           <p:cNvSpPr>
             <a:spLocks noGrp="1" noChangeArrowheads="1"/>
@@ -1320,7 +1409,7 @@
             <a:fld id="{1CFDF48B-219D-403F-A822-8E225514B987}" type="slidenum">
               <a:rPr lang="en-US" smtClean="0"/>
               <a:pPr/>
-              <a:t>6</a:t>
+              <a:t>7</a:t>
             </a:fld>
             <a:endParaRPr lang="en-US" smtClean="0"/>
           </a:p>
@@ -4191,7 +4280,7 @@
           <a:graphicData uri="http://schemas.openxmlformats.org/presentationml/2006/ole">
             <mc:AlternateContent xmlns:mc="http://schemas.openxmlformats.org/markup-compatibility/2006">
               <mc:Choice xmlns:v="urn:schemas-microsoft-com:vml" Requires="v">
-                <p:oleObj spid="_x0000_s334957" name="Equation" r:id="rId4" imgW="457200" imgH="304800" progId="Equation.DSMT4">
+                <p:oleObj spid="_x0000_s334973" name="Equation" r:id="rId4" imgW="457200" imgH="304800" progId="Equation.DSMT4">
                   <p:embed/>
                 </p:oleObj>
               </mc:Choice>
@@ -4261,7 +4350,7 @@
           <a:graphicData uri="http://schemas.openxmlformats.org/presentationml/2006/ole">
             <mc:AlternateContent xmlns:mc="http://schemas.openxmlformats.org/markup-compatibility/2006">
               <mc:Choice xmlns:v="urn:schemas-microsoft-com:vml" Requires="v">
-                <p:oleObj spid="_x0000_s334958" name="Equation" r:id="rId6" imgW="457200" imgH="304800" progId="Equation.DSMT4">
+                <p:oleObj spid="_x0000_s334974" name="Equation" r:id="rId6" imgW="457200" imgH="304800" progId="Equation.DSMT4">
                   <p:embed/>
                 </p:oleObj>
               </mc:Choice>
@@ -4331,7 +4420,7 @@
           <a:graphicData uri="http://schemas.openxmlformats.org/presentationml/2006/ole">
             <mc:AlternateContent xmlns:mc="http://schemas.openxmlformats.org/markup-compatibility/2006">
               <mc:Choice xmlns:v="urn:schemas-microsoft-com:vml" Requires="v">
-                <p:oleObj spid="_x0000_s334959" name="Equation" r:id="rId8" imgW="444500" imgH="304800" progId="Equation.DSMT4">
+                <p:oleObj spid="_x0000_s334975" name="Equation" r:id="rId8" imgW="444500" imgH="304800" progId="Equation.DSMT4">
                   <p:embed/>
                 </p:oleObj>
               </mc:Choice>
@@ -5368,16 +5457,16 @@
       </p:grpSp>
       <p:grpSp>
         <p:nvGrpSpPr>
-          <p:cNvPr id="6" name="Group 33"/>
+          <p:cNvPr id="8" name="Group 7"/>
           <p:cNvGrpSpPr/>
           <p:nvPr/>
         </p:nvGrpSpPr>
         <p:grpSpPr>
           <a:xfrm>
-            <a:off x="1946765" y="2623609"/>
-            <a:ext cx="1724279" cy="2262054"/>
-            <a:chOff x="1946765" y="2595796"/>
-            <a:chExt cx="1724279" cy="2262054"/>
+            <a:off x="1946765" y="2569567"/>
+            <a:ext cx="1733286" cy="2280068"/>
+            <a:chOff x="1946765" y="2605595"/>
+            <a:chExt cx="1733286" cy="2280068"/>
           </a:xfrm>
         </p:grpSpPr>
         <p:cxnSp>
@@ -5388,7 +5477,7 @@
           </p:nvCxnSpPr>
           <p:spPr bwMode="auto">
             <a:xfrm rot="16200000" flipH="1">
-              <a:off x="1890533" y="3077338"/>
+              <a:off x="1899540" y="3105151"/>
               <a:ext cx="2239448" cy="1321575"/>
             </a:xfrm>
             <a:prstGeom prst="line">
@@ -5417,7 +5506,7 @@
           </p:nvSpPr>
           <p:spPr bwMode="auto">
             <a:xfrm>
-              <a:off x="1946765" y="2595796"/>
+              <a:off x="1946765" y="2605595"/>
               <a:ext cx="1705736" cy="2244115"/>
             </a:xfrm>
             <a:custGeom>
@@ -6047,7 +6136,7 @@
         </p:nvGrpSpPr>
         <p:grpSpPr>
           <a:xfrm>
-            <a:off x="5376779" y="2605067"/>
+            <a:off x="5376779" y="2587053"/>
             <a:ext cx="1775542" cy="2262050"/>
             <a:chOff x="5376779" y="2605067"/>
             <a:chExt cx="1775542" cy="2262050"/>
@@ -6955,7 +7044,7 @@
                                           </p:stCondLst>
                                         </p:cTn>
                                         <p:tgtEl>
-                                          <p:spTgt spid="21"/>
+                                          <p:spTgt spid="21508"/>
                                         </p:tgtEl>
                                         <p:attrNameLst>
                                           <p:attrName>style.visibility</p:attrName>
@@ -6969,6 +7058,103 @@
                                       <p:cBhvr>
                                         <p:cTn id="12" dur="500"/>
                                         <p:tgtEl>
+                                          <p:spTgt spid="21508"/>
+                                        </p:tgtEl>
+                                      </p:cBhvr>
+                                    </p:animEffect>
+                                  </p:childTnLst>
+                                </p:cTn>
+                              </p:par>
+                            </p:childTnLst>
+                          </p:cTn>
+                        </p:par>
+                        <p:par>
+                          <p:cTn id="13" fill="hold">
+                            <p:stCondLst>
+                              <p:cond delay="500"/>
+                            </p:stCondLst>
+                            <p:childTnLst>
+                              <p:par>
+                                <p:cTn id="14" presetID="22" presetClass="entr" presetSubtype="1" fill="hold" nodeType="afterEffect">
+                                  <p:stCondLst>
+                                    <p:cond delay="0"/>
+                                  </p:stCondLst>
+                                  <p:childTnLst>
+                                    <p:set>
+                                      <p:cBhvr>
+                                        <p:cTn id="15" dur="1" fill="hold">
+                                          <p:stCondLst>
+                                            <p:cond delay="0"/>
+                                          </p:stCondLst>
+                                        </p:cTn>
+                                        <p:tgtEl>
+                                          <p:spTgt spid="8"/>
+                                        </p:tgtEl>
+                                        <p:attrNameLst>
+                                          <p:attrName>style.visibility</p:attrName>
+                                        </p:attrNameLst>
+                                      </p:cBhvr>
+                                      <p:to>
+                                        <p:strVal val="visible"/>
+                                      </p:to>
+                                    </p:set>
+                                    <p:animEffect transition="in" filter="wipe(up)">
+                                      <p:cBhvr>
+                                        <p:cTn id="16" dur="1000"/>
+                                        <p:tgtEl>
+                                          <p:spTgt spid="8"/>
+                                        </p:tgtEl>
+                                      </p:cBhvr>
+                                    </p:animEffect>
+                                  </p:childTnLst>
+                                </p:cTn>
+                              </p:par>
+                            </p:childTnLst>
+                          </p:cTn>
+                        </p:par>
+                      </p:childTnLst>
+                    </p:cTn>
+                  </p:par>
+                  <p:par>
+                    <p:cTn id="17" fill="hold">
+                      <p:stCondLst>
+                        <p:cond delay="indefinite"/>
+                      </p:stCondLst>
+                      <p:childTnLst>
+                        <p:par>
+                          <p:cTn id="18" fill="hold">
+                            <p:stCondLst>
+                              <p:cond delay="0"/>
+                            </p:stCondLst>
+                            <p:childTnLst>
+                              <p:par>
+                                <p:cTn id="19" presetID="10" presetClass="entr" presetSubtype="0" fill="hold" nodeType="clickEffect">
+                                  <p:stCondLst>
+                                    <p:cond delay="0"/>
+                                  </p:stCondLst>
+                                  <p:childTnLst>
+                                    <p:set>
+                                      <p:cBhvr>
+                                        <p:cTn id="20" dur="1" fill="hold">
+                                          <p:stCondLst>
+                                            <p:cond delay="0"/>
+                                          </p:stCondLst>
+                                        </p:cTn>
+                                        <p:tgtEl>
+                                          <p:spTgt spid="21"/>
+                                        </p:tgtEl>
+                                        <p:attrNameLst>
+                                          <p:attrName>style.visibility</p:attrName>
+                                        </p:attrNameLst>
+                                      </p:cBhvr>
+                                      <p:to>
+                                        <p:strVal val="visible"/>
+                                      </p:to>
+                                    </p:set>
+                                    <p:animEffect transition="in" filter="fade">
+                                      <p:cBhvr>
+                                        <p:cTn id="21" dur="500"/>
+                                        <p:tgtEl>
                                           <p:spTgt spid="21"/>
                                         </p:tgtEl>
                                       </p:cBhvr>
@@ -6977,14 +7163,58 @@
                                 </p:cTn>
                               </p:par>
                               <p:par>
-                                <p:cTn id="13" presetID="10" presetClass="entr" presetSubtype="0" fill="hold" nodeType="withEffect">
+                                <p:cTn id="22" presetID="10" presetClass="exit" presetSubtype="0" fill="hold" nodeType="withEffect">
+                                  <p:stCondLst>
+                                    <p:cond delay="0"/>
+                                  </p:stCondLst>
+                                  <p:childTnLst>
+                                    <p:animEffect transition="out" filter="fade">
+                                      <p:cBhvr>
+                                        <p:cTn id="23" dur="500"/>
+                                        <p:tgtEl>
+                                          <p:spTgt spid="8"/>
+                                        </p:tgtEl>
+                                      </p:cBhvr>
+                                    </p:animEffect>
+                                    <p:set>
+                                      <p:cBhvr>
+                                        <p:cTn id="24" dur="1" fill="hold">
+                                          <p:stCondLst>
+                                            <p:cond delay="499"/>
+                                          </p:stCondLst>
+                                        </p:cTn>
+                                        <p:tgtEl>
+                                          <p:spTgt spid="8"/>
+                                        </p:tgtEl>
+                                        <p:attrNameLst>
+                                          <p:attrName>style.visibility</p:attrName>
+                                        </p:attrNameLst>
+                                      </p:cBhvr>
+                                      <p:to>
+                                        <p:strVal val="hidden"/>
+                                      </p:to>
+                                    </p:set>
+                                  </p:childTnLst>
+                                </p:cTn>
+                              </p:par>
+                            </p:childTnLst>
+                          </p:cTn>
+                        </p:par>
+                        <p:par>
+                          <p:cTn id="25" fill="hold">
+                            <p:stCondLst>
+                              <p:cond delay="500"/>
+                            </p:stCondLst>
+                            <p:childTnLst>
+                              <p:par>
+                                <p:cTn id="26" presetID="22" presetClass="entr" presetSubtype="1" fill="hold" nodeType="afterEffect">
                                   <p:stCondLst>
                                     <p:cond delay="0"/>
                                   </p:stCondLst>
                                   <p:childTnLst>
                                     <p:set>
                                       <p:cBhvr>
-                                        <p:cTn id="14" dur="1" fill="hold">
+                                        <p:cTn id="27" dur="1" fill="hold">
                                           <p:stCondLst>
                                             <p:cond delay="0"/>
                                           </p:stCondLst>
@@ -7000,9 +7230,9 @@
                                         <p:strVal val="visible"/>
                                       </p:to>
                                     </p:set>
-                                    <p:animEffect transition="in" filter="fade">
+                                    <p:animEffect transition="in" filter="wipe(up)">
                                       <p:cBhvr>
-                                        <p:cTn id="15" dur="500"/>
+                                        <p:cTn id="28" dur="500"/>
                                         <p:tgtEl>
                                           <p:spTgt spid="5"/>
                                         </p:tgtEl>
@@ -7018,26 +7248,70 @@
                     </p:cTn>
                   </p:par>
                   <p:par>
-                    <p:cTn id="16" fill="hold">
+                    <p:cTn id="29" fill="hold">
                       <p:stCondLst>
                         <p:cond delay="indefinite"/>
                       </p:stCondLst>
                       <p:childTnLst>
                         <p:par>
-                          <p:cTn id="17" fill="hold">
+                          <p:cTn id="30" fill="hold">
                             <p:stCondLst>
                               <p:cond delay="0"/>
                             </p:stCondLst>
                             <p:childTnLst>
                               <p:par>
-                                <p:cTn id="18" presetID="1" presetClass="exit" presetSubtype="0" fill="hold" nodeType="clickEffect">
+                                <p:cTn id="31" presetID="10" presetClass="entr" presetSubtype="0" fill="hold" nodeType="clickEffect">
                                   <p:stCondLst>
                                     <p:cond delay="0"/>
                                   </p:stCondLst>
                                   <p:childTnLst>
                                     <p:set>
                                       <p:cBhvr>
-                                        <p:cTn id="19" dur="1" fill="hold">
+                                        <p:cTn id="32" dur="1" fill="hold">
+                                          <p:stCondLst>
+                                            <p:cond delay="0"/>
+                                          </p:stCondLst>
+                                        </p:cTn>
+                                        <p:tgtEl>
+                                          <p:spTgt spid="21507"/>
+                                        </p:tgtEl>
+                                        <p:attrNameLst>
+                                          <p:attrName>style.visibility</p:attrName>
+                                        </p:attrNameLst>
+                                      </p:cBhvr>
+                                      <p:to>
+                                        <p:strVal val="visible"/>
+                                      </p:to>
+                                    </p:set>
+                                    <p:animEffect transition="in" filter="fade">
+                                      <p:cBhvr>
+                                        <p:cTn id="33" dur="500"/>
+                                        <p:tgtEl>
+                                          <p:spTgt spid="21507"/>
+                                        </p:tgtEl>
+                                      </p:cBhvr>
+                                    </p:animEffect>
+                                  </p:childTnLst>
+                                </p:cTn>
+                              </p:par>
+                            </p:childTnLst>
+                          </p:cTn>
+                        </p:par>
+                        <p:par>
+                          <p:cTn id="34" fill="hold">
+                            <p:stCondLst>
+                              <p:cond delay="500"/>
+                            </p:stCondLst>
+                            <p:childTnLst>
+                              <p:par>
+                                <p:cTn id="35" presetID="1" presetClass="exit" presetSubtype="0" fill="hold" nodeType="afterEffect">
+                                  <p:stCondLst>
+                                    <p:cond delay="0"/>
+                                  </p:stCondLst>
+                                  <p:childTnLst>
+                                    <p:set>
+                                      <p:cBhvr>
+                                        <p:cTn id="36" dur="1" fill="hold">
                                           <p:stCondLst>
                                             <p:cond delay="0"/>
                                           </p:stCondLst>
@@ -7057,119 +7331,14 @@
                                 </p:cTn>
                               </p:par>
                               <p:par>
-                                <p:cTn id="20" presetID="10" presetClass="entr" presetSubtype="0" fill="hold" nodeType="withEffect">
+                                <p:cTn id="37" presetID="22" presetClass="entr" presetSubtype="1" fill="hold" nodeType="withEffect">
                                   <p:stCondLst>
                                     <p:cond delay="0"/>
                                   </p:stCondLst>
                                   <p:childTnLst>
                                     <p:set>
                                       <p:cBhvr>
-                                        <p:cTn id="21" dur="1" fill="hold">
-                                          <p:stCondLst>
-                                            <p:cond delay="0"/>
-                                          </p:stCondLst>
-                                        </p:cTn>
-                                        <p:tgtEl>
-                                          <p:spTgt spid="6"/>
-                                        </p:tgtEl>
-                                        <p:attrNameLst>
-                                          <p:attrName>style.visibility</p:attrName>
-                                        </p:attrNameLst>
-                                      </p:cBhvr>
-                                      <p:to>
-                                        <p:strVal val="visible"/>
-                                      </p:to>
-                                    </p:set>
-                                    <p:animEffect transition="in" filter="fade">
-                                      <p:cBhvr>
-                                        <p:cTn id="22" dur="500"/>
-                                        <p:tgtEl>
-                                          <p:spTgt spid="6"/>
-                                        </p:tgtEl>
-                                      </p:cBhvr>
-                                    </p:animEffect>
-                                  </p:childTnLst>
-                                </p:cTn>
-                              </p:par>
-                              <p:par>
-                                <p:cTn id="23" presetID="10" presetClass="entr" presetSubtype="0" fill="hold" nodeType="withEffect">
-                                  <p:stCondLst>
-                                    <p:cond delay="0"/>
-                                  </p:stCondLst>
-                                  <p:childTnLst>
-                                    <p:set>
-                                      <p:cBhvr>
-                                        <p:cTn id="24" dur="1" fill="hold">
-                                          <p:stCondLst>
-                                            <p:cond delay="0"/>
-                                          </p:stCondLst>
-                                        </p:cTn>
-                                        <p:tgtEl>
-                                          <p:spTgt spid="21508"/>
-                                        </p:tgtEl>
-                                        <p:attrNameLst>
-                                          <p:attrName>style.visibility</p:attrName>
-                                        </p:attrNameLst>
-                                      </p:cBhvr>
-                                      <p:to>
-                                        <p:strVal val="visible"/>
-                                      </p:to>
-                                    </p:set>
-                                    <p:animEffect transition="in" filter="fade">
-                                      <p:cBhvr>
-                                        <p:cTn id="25" dur="500"/>
-                                        <p:tgtEl>
-                                          <p:spTgt spid="21508"/>
-                                        </p:tgtEl>
-                                      </p:cBhvr>
-                                    </p:animEffect>
-                                  </p:childTnLst>
-                                </p:cTn>
-                              </p:par>
-                              <p:par>
-                                <p:cTn id="26" presetID="10" presetClass="entr" presetSubtype="0" fill="hold" nodeType="withEffect">
-                                  <p:stCondLst>
-                                    <p:cond delay="0"/>
-                                  </p:stCondLst>
-                                  <p:childTnLst>
-                                    <p:set>
-                                      <p:cBhvr>
-                                        <p:cTn id="27" dur="1" fill="hold">
-                                          <p:stCondLst>
-                                            <p:cond delay="0"/>
-                                          </p:stCondLst>
-                                        </p:cTn>
-                                        <p:tgtEl>
-                                          <p:spTgt spid="21507"/>
-                                        </p:tgtEl>
-                                        <p:attrNameLst>
-                                          <p:attrName>style.visibility</p:attrName>
-                                        </p:attrNameLst>
-                                      </p:cBhvr>
-                                      <p:to>
-                                        <p:strVal val="visible"/>
-                                      </p:to>
-                                    </p:set>
-                                    <p:animEffect transition="in" filter="fade">
-                                      <p:cBhvr>
-                                        <p:cTn id="28" dur="500"/>
-                                        <p:tgtEl>
-                                          <p:spTgt spid="21507"/>
-                                        </p:tgtEl>
-                                      </p:cBhvr>
-                                    </p:animEffect>
-                                  </p:childTnLst>
-                                </p:cTn>
-                              </p:par>
-                              <p:par>
-                                <p:cTn id="29" presetID="10" presetClass="entr" presetSubtype="0" fill="hold" nodeType="withEffect">
-                                  <p:stCondLst>
-                                    <p:cond delay="0"/>
-                                  </p:stCondLst>
-                                  <p:childTnLst>
-                                    <p:set>
-                                      <p:cBhvr>
-                                        <p:cTn id="30" dur="1" fill="hold">
+                                        <p:cTn id="38" dur="1" fill="hold">
                                           <p:stCondLst>
                                             <p:cond delay="0"/>
                                           </p:stCondLst>
@@ -7185,14 +7354,67 @@
                                         <p:strVal val="visible"/>
                                       </p:to>
                                     </p:set>
-                                    <p:animEffect transition="in" filter="fade">
+                                    <p:animEffect transition="in" filter="wipe(up)">
                                       <p:cBhvr>
-                                        <p:cTn id="31" dur="500"/>
+                                        <p:cTn id="39" dur="1000"/>
                                         <p:tgtEl>
                                           <p:spTgt spid="7"/>
                                         </p:tgtEl>
                                       </p:cBhvr>
                                     </p:animEffect>
+                                  </p:childTnLst>
+                                </p:cTn>
+                              </p:par>
+                            </p:childTnLst>
+                          </p:cTn>
+                        </p:par>
+                      </p:childTnLst>
+                    </p:cTn>
+                  </p:par>
+                  <p:par>
+                    <p:cTn id="40" fill="hold">
+                      <p:stCondLst>
+                        <p:cond delay="indefinite"/>
+                      </p:stCondLst>
+                      <p:childTnLst>
+                        <p:par>
+                          <p:cTn id="41" fill="hold">
+                            <p:stCondLst>
+                              <p:cond delay="0"/>
+                            </p:stCondLst>
+                            <p:childTnLst>
+                              <p:par>
+                                <p:cTn id="42" presetID="10" presetClass="exit" presetSubtype="0" fill="hold" nodeType="clickEffect">
+                                  <p:stCondLst>
+                                    <p:cond delay="0"/>
+                                  </p:stCondLst>
+                                  <p:childTnLst>
+                                    <p:animEffect transition="out" filter="fade">
+                                      <p:cBhvr>
+                                        <p:cTn id="43" dur="500"/>
+                                        <p:tgtEl>
+                                          <p:spTgt spid="7"/>
+                                        </p:tgtEl>
+                                      </p:cBhvr>
+                                    </p:animEffect>
+                                    <p:set>
+                                      <p:cBhvr>
+                                        <p:cTn id="44" dur="1" fill="hold">
+                                          <p:stCondLst>
+                                            <p:cond delay="499"/>
+                                          </p:stCondLst>
+                                        </p:cTn>
+                                        <p:tgtEl>
+                                          <p:spTgt spid="7"/>
+                                        </p:tgtEl>
+                                        <p:attrNameLst>
+                                          <p:attrName>style.visibility</p:attrName>
+                                        </p:attrNameLst>
+                                      </p:cBhvr>
+                                      <p:to>
+                                        <p:strVal val="hidden"/>
+                                      </p:to>
+                                    </p:set>
                                   </p:childTnLst>
                                 </p:cTn>
                               </p:par>
@@ -7352,8 +7574,8 @@
         </p:nvSpPr>
         <p:spPr bwMode="auto">
           <a:xfrm>
-            <a:off x="718801" y="2419350"/>
-            <a:ext cx="7614811" cy="3229126"/>
+            <a:off x="250454" y="2266222"/>
+            <a:ext cx="7585329" cy="3139321"/>
           </a:xfrm>
           <a:prstGeom prst="rect">
             <a:avLst/>
@@ -7625,41 +7847,6 @@
               <a:latin typeface="Comic Sans MS" pitchFamily="66" charset="0"/>
               <a:sym typeface="Symbol" pitchFamily="18" charset="2"/>
             </a:endParaRPr>
-          </a:p>
-        </p:txBody>
-      </p:sp>
-      <p:sp>
-        <p:nvSpPr>
-          <p:cNvPr id="27656" name="Rectangle 8"/>
-          <p:cNvSpPr>
-            <a:spLocks noChangeArrowheads="1"/>
-          </p:cNvSpPr>
-          <p:nvPr/>
-        </p:nvSpPr>
-        <p:spPr bwMode="auto">
-          <a:xfrm>
-            <a:off x="654687" y="2171131"/>
-            <a:ext cx="7824070" cy="3622487"/>
-          </a:xfrm>
-          <a:prstGeom prst="rect">
-            <a:avLst/>
-          </a:prstGeom>
-          <a:noFill/>
-          <a:ln w="34925" algn="ctr">
-            <a:solidFill>
-              <a:srgbClr val="FF00FF"/>
-            </a:solidFill>
-            <a:prstDash val="sysDash"/>
-            <a:miter lim="800000"/>
-            <a:headEnd/>
-            <a:tailEnd/>
-          </a:ln>
-        </p:spPr>
-        <p:txBody>
-          <a:bodyPr wrap="none" anchor="ctr"/>
-          <a:lstStyle/>
-          <a:p>
-            <a:endParaRPr lang="en-US"/>
           </a:p>
         </p:txBody>
       </p:sp>
@@ -7685,7 +7872,7 @@
           <a:graphicData uri="http://schemas.openxmlformats.org/presentationml/2006/ole">
             <mc:AlternateContent xmlns:mc="http://schemas.openxmlformats.org/markup-compatibility/2006">
               <mc:Choice xmlns:v="urn:schemas-microsoft-com:vml" Requires="v">
-                <p:oleObj spid="_x0000_s326708" name="Equation" r:id="rId4" imgW="2197100" imgH="292100" progId="Equation.DSMT4">
+                <p:oleObj spid="_x0000_s326714" name="Equation" r:id="rId4" imgW="2197100" imgH="292100" progId="Equation.DSMT4">
                   <p:embed/>
                 </p:oleObj>
               </mc:Choice>
@@ -7884,14 +8071,14 @@
   <p:clrMapOvr>
     <a:masterClrMapping/>
   </p:clrMapOvr>
-  <mc:AlternateContent xmlns:mc="http://schemas.openxmlformats.org/markup-compatibility/2006" xmlns:p14="http://schemas.microsoft.com/office/powerpoint/2010/main">
-    <mc:Choice Requires="p14">
-      <p:transition spd="slow" p14:dur="900" advClick="0">
+  <mc:AlternateContent xmlns:mc="http://schemas.openxmlformats.org/markup-compatibility/2006">
+    <mc:Choice xmlns:p14="http://schemas.microsoft.com/office/powerpoint/2010/main" Requires="p14">
+      <p:transition spd="med" p14:dur="700" advClick="0">
         <p:fade/>
       </p:transition>
     </mc:Choice>
-    <mc:Fallback xmlns="">
-      <p:transition xmlns:p14="http://schemas.microsoft.com/office/powerpoint/2010/main" spd="slow" advClick="0">
+    <mc:Fallback>
+      <p:transition xmlns:p14="http://schemas.microsoft.com/office/powerpoint/2010/main" spd="med" advClick="0">
         <p:fade/>
       </p:transition>
     </mc:Fallback>
@@ -8122,134 +8309,6 @@
                             </p:childTnLst>
                           </p:cTn>
                         </p:par>
-                        <p:par>
-                          <p:cTn id="21" fill="hold">
-                            <p:stCondLst>
-                              <p:cond delay="1500"/>
-                            </p:stCondLst>
-                            <p:childTnLst>
-                              <p:par>
-                                <p:cTn id="22" presetID="15" presetClass="entr" presetSubtype="0" fill="hold" grpId="0" nodeType="afterEffect">
-                                  <p:stCondLst>
-                                    <p:cond delay="0"/>
-                                  </p:stCondLst>
-                                  <p:childTnLst>
-                                    <p:set>
-                                      <p:cBhvr>
-                                        <p:cTn id="23" dur="1" fill="hold">
-                                          <p:stCondLst>
-                                            <p:cond delay="0"/>
-                                          </p:stCondLst>
-                                        </p:cTn>
-                                        <p:tgtEl>
-                                          <p:spTgt spid="27656"/>
-                                        </p:tgtEl>
-                                        <p:attrNameLst>
-                                          <p:attrName>style.visibility</p:attrName>
-                                        </p:attrNameLst>
-                                      </p:cBhvr>
-                                      <p:to>
-                                        <p:strVal val="visible"/>
-                                      </p:to>
-                                    </p:set>
-                                    <p:anim calcmode="lin" valueType="num">
-                                      <p:cBhvr>
-                                        <p:cTn id="24" dur="1000" fill="hold"/>
-                                        <p:tgtEl>
-                                          <p:spTgt spid="27656"/>
-                                        </p:tgtEl>
-                                        <p:attrNameLst>
-                                          <p:attrName>ppt_w</p:attrName>
-                                        </p:attrNameLst>
-                                      </p:cBhvr>
-                                      <p:tavLst>
-                                        <p:tav tm="0">
-                                          <p:val>
-                                            <p:fltVal val="0"/>
-                                          </p:val>
-                                        </p:tav>
-                                        <p:tav tm="100000">
-                                          <p:val>
-                                            <p:strVal val="#ppt_w"/>
-                                          </p:val>
-                                        </p:tav>
-                                      </p:tavLst>
-                                    </p:anim>
-                                    <p:anim calcmode="lin" valueType="num">
-                                      <p:cBhvr>
-                                        <p:cTn id="25" dur="1000" fill="hold"/>
-                                        <p:tgtEl>
-                                          <p:spTgt spid="27656"/>
-                                        </p:tgtEl>
-                                        <p:attrNameLst>
-                                          <p:attrName>ppt_h</p:attrName>
-                                        </p:attrNameLst>
-                                      </p:cBhvr>
-                                      <p:tavLst>
-                                        <p:tav tm="0">
-                                          <p:val>
-                                            <p:fltVal val="0"/>
-                                          </p:val>
-                                        </p:tav>
-                                        <p:tav tm="100000">
-                                          <p:val>
-                                            <p:strVal val="#ppt_h"/>
-                                          </p:val>
-                                        </p:tav>
-                                      </p:tavLst>
-                                    </p:anim>
-                                    <p:anim calcmode="lin" valueType="num">
-                                      <p:cBhvr>
-                                        <p:cTn id="26" dur="1000" fill="hold"/>
-                                        <p:tgtEl>
-                                          <p:spTgt spid="27656"/>
-                                        </p:tgtEl>
-                                        <p:attrNameLst>
-                                          <p:attrName>ppt_x</p:attrName>
-                                        </p:attrNameLst>
-                                      </p:cBhvr>
-                                      <p:tavLst>
-                                        <p:tav tm="0" fmla="#ppt_x+(cos(-2*pi*(1-$))*-#ppt_x-sin(-2*pi*(1-$))*(1-#ppt_y))*(1-$)">
-                                          <p:val>
-                                            <p:fltVal val="0"/>
-                                          </p:val>
-                                        </p:tav>
-                                        <p:tav tm="100000">
-                                          <p:val>
-                                            <p:fltVal val="1"/>
-                                          </p:val>
-                                        </p:tav>
-                                      </p:tavLst>
-                                    </p:anim>
-                                    <p:anim calcmode="lin" valueType="num">
-                                      <p:cBhvr>
-                                        <p:cTn id="27" dur="1000" fill="hold"/>
-                                        <p:tgtEl>
-                                          <p:spTgt spid="27656"/>
-                                        </p:tgtEl>
-                                        <p:attrNameLst>
-                                          <p:attrName>ppt_y</p:attrName>
-                                        </p:attrNameLst>
-                                      </p:cBhvr>
-                                      <p:tavLst>
-                                        <p:tav tm="0" fmla="#ppt_y+(sin(-2*pi*(1-$))*-#ppt_x+cos(-2*pi*(1-$))*(1-#ppt_y))*(1-$)">
-                                          <p:val>
-                                            <p:fltVal val="0"/>
-                                          </p:val>
-                                        </p:tav>
-                                        <p:tav tm="100000">
-                                          <p:val>
-                                            <p:fltVal val="1"/>
-                                          </p:val>
-                                        </p:tav>
-                                      </p:tavLst>
-                                    </p:anim>
-                                  </p:childTnLst>
-                                </p:cTn>
-                              </p:par>
-                            </p:childTnLst>
-                          </p:cTn>
-                        </p:par>
                       </p:childTnLst>
                     </p:cTn>
                   </p:par>
@@ -8274,9 +8333,6 @@
         </p:cTn>
       </p:par>
     </p:tnLst>
-    <p:bldLst>
-      <p:bldP spid="27656" grpId="0" animBg="1"/>
-    </p:bldLst>
   </p:timing>
 </p:sld>
 </file>
@@ -8406,8 +8462,8 @@
         </p:nvSpPr>
         <p:spPr bwMode="auto">
           <a:xfrm>
-            <a:off x="229808" y="2358568"/>
-            <a:ext cx="8636000" cy="3241527"/>
+            <a:off x="250454" y="2266222"/>
+            <a:ext cx="7585329" cy="3139321"/>
           </a:xfrm>
           <a:prstGeom prst="rect">
             <a:avLst/>
@@ -8443,7 +8499,7 @@
                 </a:solidFill>
                 <a:latin typeface="Comic Sans MS" pitchFamily="66" charset="0"/>
               </a:rPr>
-              <a:t>[A]</a:t>
+              <a:t>[A] </a:t>
             </a:r>
             <a:r>
               <a:rPr lang="en-US" sz="6600" dirty="0" smtClean="0">
@@ -8452,6 +8508,15 @@
               <a:t>=</a:t>
             </a:r>
             <a:r>
+              <a:rPr lang="en-US" sz="6600" dirty="0" smtClean="0">
+                <a:solidFill>
+                  <a:srgbClr val="0000CC"/>
+                </a:solidFill>
+                <a:latin typeface="Comic Sans MS" pitchFamily="66" charset="0"/>
+              </a:rPr>
+              <a:t> </a:t>
+            </a:r>
+            <a:r>
               <a:rPr lang="en-US" sz="6600" dirty="0" err="1" smtClean="0">
                 <a:solidFill>
                   <a:srgbClr val="0000CC"/>
@@ -8467,7 +8532,27 @@
                 </a:solidFill>
                 <a:latin typeface="Comic Sans MS" pitchFamily="66" charset="0"/>
               </a:rPr>
-              <a:t>[</a:t>
+              <a:t>[B</a:t>
+            </a:r>
+            <a:r>
+              <a:rPr lang="en-US" sz="6600" baseline="-25000" dirty="0" smtClean="0">
+                <a:solidFill>
+                  <a:srgbClr val="0000CC"/>
+                </a:solidFill>
+                <a:latin typeface="Comic Sans MS" pitchFamily="66" charset="0"/>
+              </a:rPr>
+              <a:t>1</a:t>
+            </a:r>
+            <a:r>
+              <a:rPr lang="en-US" sz="6600" b="1" dirty="0" smtClean="0">
+                <a:solidFill>
+                  <a:srgbClr val="0000CC"/>
+                </a:solidFill>
+                <a:latin typeface="Euclid Symbol" charset="2"/>
+                <a:cs typeface="Euclid Symbol" charset="2"/>
+                <a:sym typeface="Symbol" pitchFamily="18" charset="2"/>
+              </a:rPr>
+              <a:t>∩</a:t>
             </a:r>
             <a:r>
               <a:rPr lang="en-US" sz="6600" dirty="0" smtClean="0">
@@ -8477,306 +8562,79 @@
                 <a:latin typeface="Comic Sans MS" pitchFamily="66" charset="0"/>
                 <a:sym typeface="Symbol" pitchFamily="18" charset="2"/>
               </a:rPr>
-              <a:t>A</a:t>
-            </a:r>
-            <a:r>
-              <a:rPr lang="en-US" sz="6600" dirty="0">
-                <a:solidFill>
-                  <a:srgbClr val="0000CC"/>
-                </a:solidFill>
-                <a:latin typeface="Comic Sans MS" pitchFamily="66" charset="0"/>
-                <a:sym typeface="Symbol" pitchFamily="18" charset="2"/>
-              </a:rPr>
-              <a:t>|</a:t>
-            </a:r>
-            <a:r>
-              <a:rPr lang="en-US" sz="6600" dirty="0" smtClean="0">
-                <a:solidFill>
-                  <a:srgbClr val="0000CC"/>
-                </a:solidFill>
-                <a:latin typeface="Comic Sans MS" pitchFamily="66" charset="0"/>
-              </a:rPr>
-              <a:t>B</a:t>
-            </a:r>
-            <a:r>
-              <a:rPr lang="en-US" sz="6600" baseline="-25000" dirty="0" smtClean="0">
-                <a:solidFill>
-                  <a:srgbClr val="0000CC"/>
-                </a:solidFill>
-                <a:latin typeface="Comic Sans MS" pitchFamily="66" charset="0"/>
-              </a:rPr>
-              <a:t>1</a:t>
-            </a:r>
-            <a:r>
-              <a:rPr lang="en-US" sz="6600" dirty="0" smtClean="0">
-                <a:solidFill>
-                  <a:srgbClr val="0000CC"/>
-                </a:solidFill>
-                <a:latin typeface="Comic Sans MS" pitchFamily="66" charset="0"/>
-              </a:rPr>
-              <a:t>]</a:t>
-            </a:r>
-            <a:r>
-              <a:rPr lang="en-US" sz="6600" dirty="0" smtClean="0">
-                <a:solidFill>
-                  <a:srgbClr val="0000CC"/>
-                </a:solidFill>
-                <a:latin typeface="Comic Sans MS" pitchFamily="66" charset="0"/>
-                <a:sym typeface="Symbol" pitchFamily="18" charset="2"/>
-              </a:rPr>
-              <a:t> </a:t>
-            </a:r>
-            <a:r>
-              <a:rPr lang="en-US" sz="6600" dirty="0" err="1" smtClean="0">
-                <a:solidFill>
-                  <a:srgbClr val="0000CC"/>
-                </a:solidFill>
-                <a:latin typeface="Comic Sans MS" pitchFamily="66" charset="0"/>
-                <a:sym typeface="Symbol" pitchFamily="18" charset="2"/>
-              </a:rPr>
-              <a:t>Pr</a:t>
-            </a:r>
-            <a:r>
-              <a:rPr lang="en-US" sz="6600" dirty="0" smtClean="0">
-                <a:solidFill>
-                  <a:srgbClr val="0000CC"/>
-                </a:solidFill>
-                <a:latin typeface="Comic Sans MS" pitchFamily="66" charset="0"/>
-                <a:sym typeface="Symbol" pitchFamily="18" charset="2"/>
-              </a:rPr>
-              <a:t>[B</a:t>
-            </a:r>
-            <a:r>
-              <a:rPr lang="en-US" sz="6600" baseline="-25000" dirty="0" smtClean="0">
-                <a:solidFill>
-                  <a:srgbClr val="0000CC"/>
-                </a:solidFill>
-                <a:latin typeface="Comic Sans MS" pitchFamily="66" charset="0"/>
-                <a:sym typeface="Symbol" pitchFamily="18" charset="2"/>
-              </a:rPr>
-              <a:t>1</a:t>
-            </a:r>
-            <a:r>
-              <a:rPr lang="en-US" sz="6600" dirty="0" smtClean="0">
-                <a:solidFill>
-                  <a:srgbClr val="0000CC"/>
-                </a:solidFill>
-                <a:latin typeface="Comic Sans MS" pitchFamily="66" charset="0"/>
-                <a:sym typeface="Symbol" pitchFamily="18" charset="2"/>
-              </a:rPr>
-              <a:t>] 		+ </a:t>
-            </a:r>
-            <a:r>
-              <a:rPr lang="en-US" sz="6600" dirty="0" err="1" smtClean="0">
-                <a:solidFill>
-                  <a:srgbClr val="0000CC"/>
-                </a:solidFill>
-                <a:latin typeface="Comic Sans MS" pitchFamily="66" charset="0"/>
-              </a:rPr>
-              <a:t>Pr</a:t>
-            </a:r>
-            <a:r>
-              <a:rPr lang="en-US" sz="6600" dirty="0" smtClean="0">
-                <a:solidFill>
-                  <a:srgbClr val="0000CC"/>
-                </a:solidFill>
-                <a:latin typeface="Comic Sans MS" pitchFamily="66" charset="0"/>
-              </a:rPr>
-              <a:t>[</a:t>
-            </a:r>
-            <a:r>
-              <a:rPr lang="en-US" sz="6600" dirty="0" smtClean="0">
-                <a:solidFill>
-                  <a:srgbClr val="0000CC"/>
-                </a:solidFill>
-                <a:latin typeface="Comic Sans MS" pitchFamily="66" charset="0"/>
-                <a:sym typeface="Symbol" pitchFamily="18" charset="2"/>
-              </a:rPr>
-              <a:t>A</a:t>
-            </a:r>
-            <a:r>
-              <a:rPr lang="en-US" sz="6600" dirty="0">
-                <a:solidFill>
-                  <a:srgbClr val="0000CC"/>
-                </a:solidFill>
-                <a:latin typeface="Comic Sans MS" pitchFamily="66" charset="0"/>
-                <a:sym typeface="Symbol" pitchFamily="18" charset="2"/>
-              </a:rPr>
-              <a:t>|</a:t>
-            </a:r>
-            <a:r>
-              <a:rPr lang="en-US" sz="6600" dirty="0" smtClean="0">
-                <a:solidFill>
-                  <a:srgbClr val="0000CC"/>
-                </a:solidFill>
-                <a:latin typeface="Comic Sans MS" pitchFamily="66" charset="0"/>
-              </a:rPr>
-              <a:t>B</a:t>
-            </a:r>
-            <a:r>
-              <a:rPr lang="en-US" sz="6600" baseline="-25000" dirty="0" smtClean="0">
-                <a:solidFill>
-                  <a:srgbClr val="0000CC"/>
-                </a:solidFill>
-                <a:latin typeface="Comic Sans MS" pitchFamily="66" charset="0"/>
-              </a:rPr>
-              <a:t>2</a:t>
-            </a:r>
-            <a:r>
-              <a:rPr lang="en-US" sz="6600" dirty="0" smtClean="0">
-                <a:solidFill>
-                  <a:srgbClr val="0000CC"/>
-                </a:solidFill>
-                <a:latin typeface="Comic Sans MS" pitchFamily="66" charset="0"/>
-              </a:rPr>
-              <a:t>]</a:t>
-            </a:r>
-            <a:r>
-              <a:rPr lang="en-US" sz="6600" dirty="0" smtClean="0">
-                <a:solidFill>
-                  <a:srgbClr val="0000CC"/>
-                </a:solidFill>
-                <a:latin typeface="Comic Sans MS" pitchFamily="66" charset="0"/>
-                <a:sym typeface="Symbol" pitchFamily="18" charset="2"/>
-              </a:rPr>
-              <a:t> </a:t>
-            </a:r>
-            <a:r>
-              <a:rPr lang="en-US" sz="6600" dirty="0" err="1" smtClean="0">
-                <a:solidFill>
-                  <a:srgbClr val="0000CC"/>
-                </a:solidFill>
-                <a:latin typeface="Comic Sans MS" pitchFamily="66" charset="0"/>
-                <a:sym typeface="Symbol" pitchFamily="18" charset="2"/>
-              </a:rPr>
-              <a:t>Pr</a:t>
-            </a:r>
-            <a:r>
-              <a:rPr lang="en-US" sz="6600" dirty="0" smtClean="0">
-                <a:solidFill>
-                  <a:srgbClr val="0000CC"/>
-                </a:solidFill>
-                <a:latin typeface="Comic Sans MS" pitchFamily="66" charset="0"/>
-                <a:sym typeface="Symbol" pitchFamily="18" charset="2"/>
-              </a:rPr>
-              <a:t>[B</a:t>
-            </a:r>
-            <a:r>
-              <a:rPr lang="en-US" sz="6600" baseline="-25000" dirty="0" smtClean="0">
-                <a:solidFill>
-                  <a:srgbClr val="0000CC"/>
-                </a:solidFill>
-                <a:latin typeface="Comic Sans MS" pitchFamily="66" charset="0"/>
-                <a:sym typeface="Symbol" pitchFamily="18" charset="2"/>
-              </a:rPr>
-              <a:t>2</a:t>
-            </a:r>
-            <a:r>
-              <a:rPr lang="en-US" sz="6600" dirty="0" smtClean="0">
-                <a:solidFill>
-                  <a:srgbClr val="0000CC"/>
-                </a:solidFill>
-                <a:latin typeface="Comic Sans MS" pitchFamily="66" charset="0"/>
-                <a:sym typeface="Symbol" pitchFamily="18" charset="2"/>
-              </a:rPr>
-              <a:t>]</a:t>
+              <a:t>A] +</a:t>
             </a:r>
           </a:p>
           <a:p>
             <a:pPr algn="l"/>
             <a:r>
-              <a:rPr lang="en-US" sz="6600" dirty="0" smtClean="0">
-                <a:solidFill>
-                  <a:srgbClr val="0000CC"/>
-                </a:solidFill>
-                <a:latin typeface="Comic Sans MS" pitchFamily="66" charset="0"/>
-              </a:rPr>
-              <a:t>       + </a:t>
-            </a:r>
-            <a:r>
-              <a:rPr lang="en-US" sz="6600" dirty="0" err="1" smtClean="0">
-                <a:solidFill>
-                  <a:srgbClr val="0000CC"/>
-                </a:solidFill>
-                <a:latin typeface="Comic Sans MS" pitchFamily="66" charset="0"/>
-              </a:rPr>
-              <a:t>Pr</a:t>
-            </a:r>
-            <a:r>
-              <a:rPr lang="en-US" sz="6600" dirty="0" smtClean="0">
-                <a:solidFill>
-                  <a:srgbClr val="0000CC"/>
-                </a:solidFill>
-                <a:latin typeface="Comic Sans MS" pitchFamily="66" charset="0"/>
-              </a:rPr>
-              <a:t>[</a:t>
-            </a:r>
-            <a:r>
-              <a:rPr lang="en-US" sz="6600" dirty="0" smtClean="0">
+              <a:rPr lang="en-US" sz="6600" dirty="0">
                 <a:solidFill>
                   <a:srgbClr val="0000CC"/>
                 </a:solidFill>
                 <a:latin typeface="Comic Sans MS" pitchFamily="66" charset="0"/>
                 <a:sym typeface="Symbol" pitchFamily="18" charset="2"/>
               </a:rPr>
-              <a:t>A</a:t>
-            </a:r>
-            <a:r>
-              <a:rPr lang="en-US" sz="6600" dirty="0">
+              <a:t> </a:t>
+            </a:r>
+            <a:r>
+              <a:rPr lang="en-US" sz="6600" dirty="0" smtClean="0">
                 <a:solidFill>
                   <a:srgbClr val="0000CC"/>
                 </a:solidFill>
                 <a:latin typeface="Comic Sans MS" pitchFamily="66" charset="0"/>
                 <a:sym typeface="Symbol" pitchFamily="18" charset="2"/>
               </a:rPr>
-              <a:t>|</a:t>
-            </a:r>
-            <a:r>
-              <a:rPr lang="en-US" sz="6600" dirty="0" smtClean="0">
-                <a:solidFill>
-                  <a:srgbClr val="0000CC"/>
-                </a:solidFill>
-                <a:latin typeface="Comic Sans MS" pitchFamily="66" charset="0"/>
-              </a:rPr>
-              <a:t>B</a:t>
-            </a:r>
-            <a:r>
-              <a:rPr lang="en-US" sz="6600" baseline="-25000" dirty="0" smtClean="0">
-                <a:solidFill>
-                  <a:srgbClr val="0000CC"/>
-                </a:solidFill>
-                <a:latin typeface="Comic Sans MS" pitchFamily="66" charset="0"/>
-              </a:rPr>
-              <a:t>3</a:t>
-            </a:r>
-            <a:r>
-              <a:rPr lang="en-US" sz="6600" dirty="0" smtClean="0">
-                <a:solidFill>
-                  <a:srgbClr val="0000CC"/>
-                </a:solidFill>
-                <a:latin typeface="Comic Sans MS" pitchFamily="66" charset="0"/>
-              </a:rPr>
-              <a:t>]</a:t>
-            </a:r>
-            <a:r>
-              <a:rPr lang="en-US" sz="6600" dirty="0" smtClean="0">
+              <a:t>           </a:t>
+            </a:r>
+            <a:r>
+              <a:rPr lang="en-US" sz="6600" dirty="0" err="1" smtClean="0">
                 <a:solidFill>
                   <a:srgbClr val="0000CC"/>
                 </a:solidFill>
                 <a:latin typeface="Comic Sans MS" pitchFamily="66" charset="0"/>
                 <a:sym typeface="Symbol" pitchFamily="18" charset="2"/>
               </a:rPr>
-              <a:t> </a:t>
-            </a:r>
-            <a:r>
-              <a:rPr lang="en-US" sz="6600" dirty="0" err="1" smtClean="0">
+              <a:t>Pr</a:t>
+            </a:r>
+            <a:r>
+              <a:rPr lang="en-US" sz="6600" dirty="0" smtClean="0">
                 <a:solidFill>
                   <a:srgbClr val="0000CC"/>
                 </a:solidFill>
                 <a:latin typeface="Comic Sans MS" pitchFamily="66" charset="0"/>
                 <a:sym typeface="Symbol" pitchFamily="18" charset="2"/>
               </a:rPr>
-              <a:t>Pr</a:t>
+              <a:t>[</a:t>
+            </a:r>
+            <a:r>
+              <a:rPr lang="en-US" sz="6600" dirty="0" smtClean="0">
+                <a:solidFill>
+                  <a:srgbClr val="0000CC"/>
+                </a:solidFill>
+                <a:latin typeface="Comic Sans MS" pitchFamily="66" charset="0"/>
+              </a:rPr>
+              <a:t>B</a:t>
+            </a:r>
+            <a:r>
+              <a:rPr lang="en-US" sz="6600" baseline="-25000" dirty="0" smtClean="0">
+                <a:solidFill>
+                  <a:srgbClr val="0000CC"/>
+                </a:solidFill>
+                <a:latin typeface="Comic Sans MS" pitchFamily="66" charset="0"/>
+              </a:rPr>
+              <a:t>2</a:t>
+            </a:r>
+            <a:r>
+              <a:rPr lang="en-US" sz="6600" b="1" dirty="0" smtClean="0">
+                <a:solidFill>
+                  <a:srgbClr val="0000CC"/>
+                </a:solidFill>
+                <a:latin typeface="Euclid Symbol" charset="2"/>
+                <a:cs typeface="Euclid Symbol" charset="2"/>
+                <a:sym typeface="Symbol" pitchFamily="18" charset="2"/>
+              </a:rPr>
+              <a:t>∩</a:t>
             </a:r>
             <a:r>
               <a:rPr lang="en-US" sz="6600" dirty="0" smtClean="0">
@@ -8786,17 +8644,20 @@
                 <a:latin typeface="Comic Sans MS" pitchFamily="66" charset="0"/>
                 <a:sym typeface="Symbol" pitchFamily="18" charset="2"/>
               </a:rPr>
-              <a:t>[B</a:t>
-            </a:r>
-            <a:r>
-              <a:rPr lang="en-US" sz="6600" baseline="-25000" dirty="0" smtClean="0">
+              <a:t>A] +</a:t>
+            </a:r>
+          </a:p>
+          <a:p>
+            <a:pPr algn="l"/>
+            <a:r>
+              <a:rPr lang="en-US" sz="6600" dirty="0">
                 <a:solidFill>
                   <a:srgbClr val="0000CC"/>
                 </a:solidFill>
                 <a:latin typeface="Comic Sans MS" pitchFamily="66" charset="0"/>
                 <a:sym typeface="Symbol" pitchFamily="18" charset="2"/>
               </a:rPr>
-              <a:t>3</a:t>
+              <a:t> </a:t>
             </a:r>
             <a:r>
               <a:rPr lang="en-US" sz="6600" dirty="0" smtClean="0">
@@ -8806,7 +8667,66 @@
                 <a:latin typeface="Comic Sans MS" pitchFamily="66" charset="0"/>
                 <a:sym typeface="Symbol" pitchFamily="18" charset="2"/>
               </a:rPr>
-              <a:t>]  </a:t>
+              <a:t>           </a:t>
+            </a:r>
+            <a:r>
+              <a:rPr lang="en-US" sz="6600" dirty="0" err="1" smtClean="0">
+                <a:solidFill>
+                  <a:srgbClr val="0000CC"/>
+                </a:solidFill>
+                <a:latin typeface="Comic Sans MS" pitchFamily="66" charset="0"/>
+                <a:sym typeface="Symbol" pitchFamily="18" charset="2"/>
+              </a:rPr>
+              <a:t>Pr</a:t>
+            </a:r>
+            <a:r>
+              <a:rPr lang="en-US" sz="6600" dirty="0" smtClean="0">
+                <a:solidFill>
+                  <a:srgbClr val="0000CC"/>
+                </a:solidFill>
+                <a:latin typeface="Comic Sans MS" pitchFamily="66" charset="0"/>
+                <a:sym typeface="Symbol" pitchFamily="18" charset="2"/>
+              </a:rPr>
+              <a:t>[</a:t>
+            </a:r>
+            <a:r>
+              <a:rPr lang="en-US" sz="6600" dirty="0" smtClean="0">
+                <a:solidFill>
+                  <a:srgbClr val="0000CC"/>
+                </a:solidFill>
+                <a:latin typeface="Comic Sans MS" pitchFamily="66" charset="0"/>
+              </a:rPr>
+              <a:t>B</a:t>
+            </a:r>
+            <a:r>
+              <a:rPr lang="en-US" sz="6600" baseline="-25000" dirty="0" smtClean="0">
+                <a:solidFill>
+                  <a:srgbClr val="0000CC"/>
+                </a:solidFill>
+                <a:latin typeface="Comic Sans MS" pitchFamily="66" charset="0"/>
+              </a:rPr>
+              <a:t>3</a:t>
+            </a:r>
+            <a:r>
+              <a:rPr lang="en-US" sz="6600" b="1" dirty="0" smtClean="0">
+                <a:solidFill>
+                  <a:srgbClr val="0000CC"/>
+                </a:solidFill>
+                <a:latin typeface="Euclid Symbol" charset="2"/>
+                <a:cs typeface="Euclid Symbol" charset="2"/>
+                <a:sym typeface="Symbol" pitchFamily="18" charset="2"/>
+              </a:rPr>
+              <a:t>∩</a:t>
+            </a:r>
+            <a:r>
+              <a:rPr lang="en-US" sz="6600" dirty="0" smtClean="0">
+                <a:solidFill>
+                  <a:srgbClr val="0000CC"/>
+                </a:solidFill>
+                <a:latin typeface="Comic Sans MS" pitchFamily="66" charset="0"/>
+                <a:sym typeface="Symbol" pitchFamily="18" charset="2"/>
+              </a:rPr>
+              <a:t>A]</a:t>
             </a:r>
             <a:endParaRPr lang="en-US" sz="6600" dirty="0">
               <a:solidFill>
@@ -8815,41 +8735,6 @@
               <a:latin typeface="Comic Sans MS" pitchFamily="66" charset="0"/>
               <a:sym typeface="Symbol" pitchFamily="18" charset="2"/>
             </a:endParaRPr>
-          </a:p>
-        </p:txBody>
-      </p:sp>
-      <p:sp>
-        <p:nvSpPr>
-          <p:cNvPr id="27656" name="Rectangle 8"/>
-          <p:cNvSpPr>
-            <a:spLocks noChangeArrowheads="1"/>
-          </p:cNvSpPr>
-          <p:nvPr/>
-        </p:nvSpPr>
-        <p:spPr bwMode="auto">
-          <a:xfrm>
-            <a:off x="241904" y="2171132"/>
-            <a:ext cx="8592701" cy="3670868"/>
-          </a:xfrm>
-          <a:prstGeom prst="rect">
-            <a:avLst/>
-          </a:prstGeom>
-          <a:noFill/>
-          <a:ln w="34925" algn="ctr">
-            <a:solidFill>
-              <a:srgbClr val="FF00FF"/>
-            </a:solidFill>
-            <a:prstDash val="sysDash"/>
-            <a:miter lim="800000"/>
-            <a:headEnd/>
-            <a:tailEnd/>
-          </a:ln>
-        </p:spPr>
-        <p:txBody>
-          <a:bodyPr wrap="none" anchor="ctr"/>
-          <a:lstStyle/>
-          <a:p>
-            <a:endParaRPr lang="en-US"/>
           </a:p>
         </p:txBody>
       </p:sp>
@@ -8862,7 +8747,7 @@
           <p:nvPr>
             <p:extLst>
               <p:ext uri="{D42A27DB-BD31-4B8C-83A1-F6EECF244321}">
-                <p14:modId xmlns:p14="http://schemas.microsoft.com/office/powerpoint/2010/main" val="2065955135"/>
+                <p14:modId xmlns:p14="http://schemas.microsoft.com/office/powerpoint/2010/main" val="2682902019"/>
               </p:ext>
             </p:extLst>
           </p:nvPr>
@@ -8875,7 +8760,7 @@
           <a:graphicData uri="http://schemas.openxmlformats.org/presentationml/2006/ole">
             <mc:AlternateContent xmlns:mc="http://schemas.openxmlformats.org/markup-compatibility/2006">
               <mc:Choice xmlns:v="urn:schemas-microsoft-com:vml" Requires="v">
-                <p:oleObj spid="_x0000_s353313" name="Equation" r:id="rId4" imgW="2197100" imgH="292100" progId="Equation.DSMT4">
+                <p:oleObj spid="_x0000_s1027" name="Equation" r:id="rId4" imgW="2197100" imgH="292100" progId="Equation.DSMT4">
                   <p:embed/>
                 </p:oleObj>
               </mc:Choice>
@@ -9064,24 +8949,156 @@
           </a:p>
         </p:txBody>
       </p:sp>
+      <p:sp useBgFill="1">
+        <p:nvSpPr>
+          <p:cNvPr id="3" name="TextBox 2"/>
+          <p:cNvSpPr txBox="1"/>
+          <p:nvPr/>
+        </p:nvSpPr>
+        <p:spPr>
+          <a:xfrm>
+            <a:off x="2961030" y="2241970"/>
+            <a:ext cx="5957418" cy="1107996"/>
+          </a:xfrm>
+          <a:prstGeom prst="rect">
+            <a:avLst/>
+          </a:prstGeom>
+        </p:spPr>
+        <p:txBody>
+          <a:bodyPr wrap="none" rtlCol="0">
+            <a:spAutoFit/>
+          </a:bodyPr>
+          <a:lstStyle/>
+          <a:p>
+            <a:r>
+              <a:rPr lang="en-US" sz="6600" dirty="0" err="1">
+                <a:solidFill>
+                  <a:srgbClr val="0000CC"/>
+                </a:solidFill>
+                <a:latin typeface="Comic Sans MS" pitchFamily="66" charset="0"/>
+              </a:rPr>
+              <a:t>Pr</a:t>
+            </a:r>
+            <a:r>
+              <a:rPr lang="en-US" sz="6600" dirty="0">
+                <a:solidFill>
+                  <a:srgbClr val="0000CC"/>
+                </a:solidFill>
+                <a:latin typeface="Comic Sans MS" pitchFamily="66" charset="0"/>
+              </a:rPr>
+              <a:t>[</a:t>
+            </a:r>
+            <a:r>
+              <a:rPr lang="en-US" sz="6600" dirty="0">
+                <a:solidFill>
+                  <a:srgbClr val="0000CC"/>
+                </a:solidFill>
+                <a:latin typeface="Comic Sans MS" pitchFamily="66" charset="0"/>
+                <a:sym typeface="Symbol" pitchFamily="18" charset="2"/>
+              </a:rPr>
+              <a:t>A|</a:t>
+            </a:r>
+            <a:r>
+              <a:rPr lang="en-US" sz="6600" dirty="0">
+                <a:solidFill>
+                  <a:srgbClr val="0000CC"/>
+                </a:solidFill>
+                <a:latin typeface="Comic Sans MS" pitchFamily="66" charset="0"/>
+              </a:rPr>
+              <a:t>B</a:t>
+            </a:r>
+            <a:r>
+              <a:rPr lang="en-US" sz="6600" baseline="-25000" dirty="0">
+                <a:solidFill>
+                  <a:srgbClr val="0000CC"/>
+                </a:solidFill>
+                <a:latin typeface="Comic Sans MS" pitchFamily="66" charset="0"/>
+              </a:rPr>
+              <a:t>1</a:t>
+            </a:r>
+            <a:r>
+              <a:rPr lang="en-US" sz="6600" dirty="0">
+                <a:solidFill>
+                  <a:srgbClr val="0000CC"/>
+                </a:solidFill>
+                <a:latin typeface="Comic Sans MS" pitchFamily="66" charset="0"/>
+              </a:rPr>
+              <a:t>]</a:t>
+            </a:r>
+            <a:r>
+              <a:rPr lang="en-US" sz="6600" dirty="0">
+                <a:solidFill>
+                  <a:srgbClr val="0000CC"/>
+                </a:solidFill>
+                <a:latin typeface="Comic Sans MS" pitchFamily="66" charset="0"/>
+                <a:sym typeface="Symbol" pitchFamily="18" charset="2"/>
+              </a:rPr>
+              <a:t> </a:t>
+            </a:r>
+            <a:r>
+              <a:rPr lang="en-US" sz="6600" dirty="0" err="1">
+                <a:solidFill>
+                  <a:srgbClr val="0000CC"/>
+                </a:solidFill>
+                <a:latin typeface="Comic Sans MS" pitchFamily="66" charset="0"/>
+                <a:sym typeface="Symbol" pitchFamily="18" charset="2"/>
+              </a:rPr>
+              <a:t>Pr</a:t>
+            </a:r>
+            <a:r>
+              <a:rPr lang="en-US" sz="6600" dirty="0">
+                <a:solidFill>
+                  <a:srgbClr val="0000CC"/>
+                </a:solidFill>
+                <a:latin typeface="Comic Sans MS" pitchFamily="66" charset="0"/>
+                <a:sym typeface="Symbol" pitchFamily="18" charset="2"/>
+              </a:rPr>
+              <a:t>[B</a:t>
+            </a:r>
+            <a:r>
+              <a:rPr lang="en-US" sz="6600" baseline="-25000" dirty="0">
+                <a:solidFill>
+                  <a:srgbClr val="0000CC"/>
+                </a:solidFill>
+                <a:latin typeface="Comic Sans MS" pitchFamily="66" charset="0"/>
+                <a:sym typeface="Symbol" pitchFamily="18" charset="2"/>
+              </a:rPr>
+              <a:t>1</a:t>
+            </a:r>
+            <a:r>
+              <a:rPr lang="en-US" sz="6600" dirty="0">
+                <a:solidFill>
+                  <a:srgbClr val="0000CC"/>
+                </a:solidFill>
+                <a:latin typeface="Comic Sans MS" pitchFamily="66" charset="0"/>
+                <a:sym typeface="Symbol" pitchFamily="18" charset="2"/>
+              </a:rPr>
+              <a:t>]</a:t>
+            </a:r>
+            <a:endParaRPr lang="en-US" sz="4400" dirty="0" smtClean="0">
+              <a:latin typeface="+mj-lt"/>
+            </a:endParaRPr>
+          </a:p>
+        </p:txBody>
+      </p:sp>
     </p:spTree>
     <p:extLst>
       <p:ext uri="{BB962C8B-B14F-4D97-AF65-F5344CB8AC3E}">
-        <p14:creationId xmlns:p14="http://schemas.microsoft.com/office/powerpoint/2010/main" val="3010680459"/>
+        <p14:creationId xmlns:p14="http://schemas.microsoft.com/office/powerpoint/2010/main" val="2468533121"/>
       </p:ext>
     </p:extLst>
   </p:cSld>
   <p:clrMapOvr>
     <a:masterClrMapping/>
   </p:clrMapOvr>
-  <mc:AlternateContent xmlns:mc="http://schemas.openxmlformats.org/markup-compatibility/2006" xmlns:p14="http://schemas.microsoft.com/office/powerpoint/2010/main">
-    <mc:Choice Requires="p14">
-      <p:transition spd="slow" p14:dur="900" advClick="0">
+  <mc:AlternateContent xmlns:mc="http://schemas.openxmlformats.org/markup-compatibility/2006">
+    <mc:Choice xmlns:p14="http://schemas.microsoft.com/office/powerpoint/2010/main" Requires="p14">
+      <p:transition spd="med" p14:dur="700" advClick="0">
         <p:fade/>
       </p:transition>
     </mc:Choice>
-    <mc:Fallback xmlns="">
-      <p:transition xmlns:p14="http://schemas.microsoft.com/office/powerpoint/2010/main" spd="slow" advClick="0">
+    <mc:Fallback>
+      <p:transition xmlns:p14="http://schemas.microsoft.com/office/powerpoint/2010/main" spd="med" advClick="0">
         <p:fade/>
       </p:transition>
     </mc:Fallback>
@@ -9089,9 +9106,91 @@
   <p:timing>
     <p:tnLst>
       <p:par>
-        <p:cTn xmlns:p14="http://schemas.microsoft.com/office/powerpoint/2010/main" id="1" dur="indefinite" restart="never" nodeType="tmRoot"/>
+        <p:cTn xmlns:p14="http://schemas.microsoft.com/office/powerpoint/2010/main" id="1" dur="indefinite" restart="never" nodeType="tmRoot">
+          <p:childTnLst>
+            <p:seq concurrent="1" nextAc="seek">
+              <p:cTn id="2" dur="indefinite" nodeType="mainSeq">
+                <p:childTnLst>
+                  <p:par>
+                    <p:cTn id="3" fill="hold">
+                      <p:stCondLst>
+                        <p:cond delay="indefinite"/>
+                        <p:cond evt="onBegin" delay="0">
+                          <p:tn val="2"/>
+                        </p:cond>
+                      </p:stCondLst>
+                      <p:childTnLst>
+                        <p:par>
+                          <p:cTn id="4" fill="hold">
+                            <p:stCondLst>
+                              <p:cond delay="0"/>
+                            </p:stCondLst>
+                            <p:childTnLst>
+                              <p:par>
+                                <p:cTn id="5" presetID="22" presetClass="entr" presetSubtype="8" fill="hold" grpId="0" nodeType="afterEffect">
+                                  <p:stCondLst>
+                                    <p:cond delay="0"/>
+                                  </p:stCondLst>
+                                  <p:childTnLst>
+                                    <p:set>
+                                      <p:cBhvr>
+                                        <p:cTn id="6" dur="1" fill="hold">
+                                          <p:stCondLst>
+                                            <p:cond delay="0"/>
+                                          </p:stCondLst>
+                                        </p:cTn>
+                                        <p:tgtEl>
+                                          <p:spTgt spid="3"/>
+                                        </p:tgtEl>
+                                        <p:attrNameLst>
+                                          <p:attrName>style.visibility</p:attrName>
+                                        </p:attrNameLst>
+                                      </p:cBhvr>
+                                      <p:to>
+                                        <p:strVal val="visible"/>
+                                      </p:to>
+                                    </p:set>
+                                    <p:animEffect transition="in" filter="wipe(left)">
+                                      <p:cBhvr>
+                                        <p:cTn id="7" dur="1000"/>
+                                        <p:tgtEl>
+                                          <p:spTgt spid="3"/>
+                                        </p:tgtEl>
+                                      </p:cBhvr>
+                                    </p:animEffect>
+                                  </p:childTnLst>
+                                </p:cTn>
+                              </p:par>
+                            </p:childTnLst>
+                          </p:cTn>
+                        </p:par>
+                      </p:childTnLst>
+                    </p:cTn>
+                  </p:par>
+                </p:childTnLst>
+              </p:cTn>
+              <p:prevCondLst>
+                <p:cond evt="onPrev" delay="0">
+                  <p:tgtEl>
+                    <p:sldTgt/>
+                  </p:tgtEl>
+                </p:cond>
+              </p:prevCondLst>
+              <p:nextCondLst>
+                <p:cond evt="onNext" delay="0">
+                  <p:tgtEl>
+                    <p:sldTgt/>
+                  </p:tgtEl>
+                </p:cond>
+              </p:nextCondLst>
+            </p:seq>
+          </p:childTnLst>
+        </p:cTn>
       </p:par>
     </p:tnLst>
+    <p:bldLst>
+      <p:bldP spid="3" grpId="0" animBg="1"/>
+    </p:bldLst>
   </p:timing>
 </p:sld>
 </file>
@@ -9144,12 +9243,906 @@
               <a:rPr lang="en-US" dirty="0" smtClean="0"/>
               <a:t>.</a:t>
             </a:r>
+            <a:fld id="{DE38ECCF-0D28-4EEB-A6A7-10EC65377FF2}" type="slidenum">
+              <a:rPr lang="en-US" smtClean="0"/>
+              <a:pPr>
+                <a:defRPr/>
+              </a:pPr>
+              <a:t>6</a:t>
+            </a:fld>
+            <a:endParaRPr lang="en-US" dirty="0"/>
+          </a:p>
+        </p:txBody>
+      </p:sp>
+      <p:sp>
+        <p:nvSpPr>
+          <p:cNvPr id="31747" name="Rectangle 3"/>
+          <p:cNvSpPr>
+            <a:spLocks noGrp="1" noChangeArrowheads="1"/>
+          </p:cNvSpPr>
+          <p:nvPr>
+            <p:ph type="title"/>
+          </p:nvPr>
+        </p:nvSpPr>
+        <p:spPr>
+          <a:noFill/>
+        </p:spPr>
+        <p:txBody>
+          <a:bodyPr/>
+          <a:lstStyle/>
+          <a:p>
+            <a:pPr eaLnBrk="1" hangingPunct="1"/>
+            <a:r>
+              <a:rPr lang="en-US" sz="4000" dirty="0" smtClean="0">
+                <a:solidFill>
+                  <a:schemeClr val="tx1"/>
+                </a:solidFill>
+              </a:rPr>
+              <a:t>Law of Total Probability</a:t>
+            </a:r>
+          </a:p>
+        </p:txBody>
+      </p:sp>
+      <p:cxnSp>
+        <p:nvCxnSpPr>
+          <p:cNvPr id="31748" name="AutoShape 5"/>
+          <p:cNvCxnSpPr>
+            <a:cxnSpLocks noChangeShapeType="1"/>
+          </p:cNvCxnSpPr>
+          <p:nvPr/>
+        </p:nvCxnSpPr>
+        <p:spPr bwMode="auto">
+          <a:xfrm>
+            <a:off x="1219200" y="3543300"/>
+            <a:ext cx="0" cy="0"/>
+          </a:xfrm>
+          <a:prstGeom prst="straightConnector1">
+            <a:avLst/>
+          </a:prstGeom>
+          <a:noFill/>
+          <a:ln w="9525">
+            <a:solidFill>
+              <a:schemeClr val="tx1"/>
+            </a:solidFill>
+            <a:round/>
+            <a:headEnd/>
+            <a:tailEnd/>
+          </a:ln>
+        </p:spPr>
+      </p:cxnSp>
+      <p:sp>
+        <p:nvSpPr>
+          <p:cNvPr id="74769" name="Rectangle 17"/>
+          <p:cNvSpPr>
+            <a:spLocks noChangeArrowheads="1"/>
+          </p:cNvSpPr>
+          <p:nvPr/>
+        </p:nvSpPr>
+        <p:spPr bwMode="auto">
+          <a:xfrm>
+            <a:off x="229808" y="2286512"/>
+            <a:ext cx="8636000" cy="3241527"/>
+          </a:xfrm>
+          <a:prstGeom prst="rect">
+            <a:avLst/>
+          </a:prstGeom>
+          <a:noFill/>
+          <a:ln w="9525" algn="ctr">
+            <a:noFill/>
+            <a:miter lim="800000"/>
+            <a:headEnd/>
+            <a:tailEnd/>
+          </a:ln>
+        </p:spPr>
+        <p:txBody>
+          <a:bodyPr wrap="square">
+            <a:spAutoFit/>
+          </a:bodyPr>
+          <a:lstStyle/>
+          <a:p>
+            <a:pPr algn="l"/>
+            <a:r>
+              <a:rPr lang="en-US" sz="6600" dirty="0" err="1" smtClean="0">
+                <a:solidFill>
+                  <a:srgbClr val="0000CC"/>
+                </a:solidFill>
+                <a:latin typeface="Comic Sans MS" pitchFamily="66" charset="0"/>
+              </a:rPr>
+              <a:t>Pr</a:t>
+            </a:r>
+            <a:r>
+              <a:rPr lang="en-US" sz="6600" dirty="0" smtClean="0">
+                <a:solidFill>
+                  <a:srgbClr val="0000CC"/>
+                </a:solidFill>
+                <a:latin typeface="Comic Sans MS" pitchFamily="66" charset="0"/>
+              </a:rPr>
+              <a:t>[A]</a:t>
+            </a:r>
+            <a:r>
+              <a:rPr lang="en-US" sz="6600" dirty="0" smtClean="0">
+                <a:latin typeface="Comic Sans MS" pitchFamily="66" charset="0"/>
+              </a:rPr>
+              <a:t>=</a:t>
+            </a:r>
+            <a:r>
+              <a:rPr lang="en-US" sz="6600" dirty="0" err="1" smtClean="0">
+                <a:solidFill>
+                  <a:srgbClr val="0000CC"/>
+                </a:solidFill>
+                <a:latin typeface="Comic Sans MS" pitchFamily="66" charset="0"/>
+              </a:rPr>
+              <a:t>Pr</a:t>
+            </a:r>
+            <a:r>
+              <a:rPr lang="en-US" sz="6600" dirty="0" smtClean="0">
+                <a:solidFill>
+                  <a:srgbClr val="0000CC"/>
+                </a:solidFill>
+                <a:latin typeface="Comic Sans MS" pitchFamily="66" charset="0"/>
+              </a:rPr>
+              <a:t>[</a:t>
+            </a:r>
+            <a:r>
+              <a:rPr lang="en-US" sz="6600" dirty="0" smtClean="0">
+                <a:solidFill>
+                  <a:srgbClr val="0000CC"/>
+                </a:solidFill>
+                <a:latin typeface="Comic Sans MS" pitchFamily="66" charset="0"/>
+                <a:sym typeface="Symbol" pitchFamily="18" charset="2"/>
+              </a:rPr>
+              <a:t>A</a:t>
+            </a:r>
+            <a:r>
+              <a:rPr lang="en-US" sz="6600" dirty="0">
+                <a:solidFill>
+                  <a:srgbClr val="0000CC"/>
+                </a:solidFill>
+                <a:latin typeface="Comic Sans MS" pitchFamily="66" charset="0"/>
+                <a:sym typeface="Symbol" pitchFamily="18" charset="2"/>
+              </a:rPr>
+              <a:t>|</a:t>
+            </a:r>
+            <a:r>
+              <a:rPr lang="en-US" sz="6600" dirty="0" smtClean="0">
+                <a:solidFill>
+                  <a:srgbClr val="0000CC"/>
+                </a:solidFill>
+                <a:latin typeface="Comic Sans MS" pitchFamily="66" charset="0"/>
+              </a:rPr>
+              <a:t>B</a:t>
+            </a:r>
+            <a:r>
+              <a:rPr lang="en-US" sz="6600" baseline="-25000" dirty="0" smtClean="0">
+                <a:solidFill>
+                  <a:srgbClr val="0000CC"/>
+                </a:solidFill>
+                <a:latin typeface="Comic Sans MS" pitchFamily="66" charset="0"/>
+              </a:rPr>
+              <a:t>1</a:t>
+            </a:r>
+            <a:r>
+              <a:rPr lang="en-US" sz="6600" dirty="0" smtClean="0">
+                <a:solidFill>
+                  <a:srgbClr val="0000CC"/>
+                </a:solidFill>
+                <a:latin typeface="Comic Sans MS" pitchFamily="66" charset="0"/>
+              </a:rPr>
+              <a:t>]</a:t>
+            </a:r>
+            <a:r>
+              <a:rPr lang="en-US" sz="6600" dirty="0" smtClean="0">
+                <a:solidFill>
+                  <a:srgbClr val="0000CC"/>
+                </a:solidFill>
+                <a:latin typeface="Comic Sans MS" pitchFamily="66" charset="0"/>
+                <a:sym typeface="Symbol" pitchFamily="18" charset="2"/>
+              </a:rPr>
+              <a:t> </a:t>
+            </a:r>
+            <a:r>
+              <a:rPr lang="en-US" sz="6600" dirty="0" err="1" smtClean="0">
+                <a:solidFill>
+                  <a:srgbClr val="0000CC"/>
+                </a:solidFill>
+                <a:latin typeface="Comic Sans MS" pitchFamily="66" charset="0"/>
+                <a:sym typeface="Symbol" pitchFamily="18" charset="2"/>
+              </a:rPr>
+              <a:t>Pr</a:t>
+            </a:r>
+            <a:r>
+              <a:rPr lang="en-US" sz="6600" dirty="0" smtClean="0">
+                <a:solidFill>
+                  <a:srgbClr val="0000CC"/>
+                </a:solidFill>
+                <a:latin typeface="Comic Sans MS" pitchFamily="66" charset="0"/>
+                <a:sym typeface="Symbol" pitchFamily="18" charset="2"/>
+              </a:rPr>
+              <a:t>[B</a:t>
+            </a:r>
+            <a:r>
+              <a:rPr lang="en-US" sz="6600" baseline="-25000" dirty="0" smtClean="0">
+                <a:solidFill>
+                  <a:srgbClr val="0000CC"/>
+                </a:solidFill>
+                <a:latin typeface="Comic Sans MS" pitchFamily="66" charset="0"/>
+                <a:sym typeface="Symbol" pitchFamily="18" charset="2"/>
+              </a:rPr>
+              <a:t>1</a:t>
+            </a:r>
+            <a:r>
+              <a:rPr lang="en-US" sz="6600" dirty="0" smtClean="0">
+                <a:solidFill>
+                  <a:srgbClr val="0000CC"/>
+                </a:solidFill>
+                <a:latin typeface="Comic Sans MS" pitchFamily="66" charset="0"/>
+                <a:sym typeface="Symbol" pitchFamily="18" charset="2"/>
+              </a:rPr>
+              <a:t>] 		+ </a:t>
+            </a:r>
+            <a:r>
+              <a:rPr lang="en-US" sz="6600" dirty="0" err="1" smtClean="0">
+                <a:solidFill>
+                  <a:srgbClr val="0000CC"/>
+                </a:solidFill>
+                <a:latin typeface="Comic Sans MS" pitchFamily="66" charset="0"/>
+              </a:rPr>
+              <a:t>Pr</a:t>
+            </a:r>
+            <a:r>
+              <a:rPr lang="en-US" sz="6600" dirty="0" smtClean="0">
+                <a:solidFill>
+                  <a:srgbClr val="0000CC"/>
+                </a:solidFill>
+                <a:latin typeface="Comic Sans MS" pitchFamily="66" charset="0"/>
+              </a:rPr>
+              <a:t>[</a:t>
+            </a:r>
+            <a:r>
+              <a:rPr lang="en-US" sz="6600" dirty="0" smtClean="0">
+                <a:solidFill>
+                  <a:srgbClr val="0000CC"/>
+                </a:solidFill>
+                <a:latin typeface="Comic Sans MS" pitchFamily="66" charset="0"/>
+                <a:sym typeface="Symbol" pitchFamily="18" charset="2"/>
+              </a:rPr>
+              <a:t>A</a:t>
+            </a:r>
+            <a:r>
+              <a:rPr lang="en-US" sz="6600" dirty="0">
+                <a:solidFill>
+                  <a:srgbClr val="0000CC"/>
+                </a:solidFill>
+                <a:latin typeface="Comic Sans MS" pitchFamily="66" charset="0"/>
+                <a:sym typeface="Symbol" pitchFamily="18" charset="2"/>
+              </a:rPr>
+              <a:t>|</a:t>
+            </a:r>
+            <a:r>
+              <a:rPr lang="en-US" sz="6600" dirty="0" smtClean="0">
+                <a:solidFill>
+                  <a:srgbClr val="0000CC"/>
+                </a:solidFill>
+                <a:latin typeface="Comic Sans MS" pitchFamily="66" charset="0"/>
+              </a:rPr>
+              <a:t>B</a:t>
+            </a:r>
+            <a:r>
+              <a:rPr lang="en-US" sz="6600" baseline="-25000" dirty="0" smtClean="0">
+                <a:solidFill>
+                  <a:srgbClr val="0000CC"/>
+                </a:solidFill>
+                <a:latin typeface="Comic Sans MS" pitchFamily="66" charset="0"/>
+              </a:rPr>
+              <a:t>2</a:t>
+            </a:r>
+            <a:r>
+              <a:rPr lang="en-US" sz="6600" dirty="0" smtClean="0">
+                <a:solidFill>
+                  <a:srgbClr val="0000CC"/>
+                </a:solidFill>
+                <a:latin typeface="Comic Sans MS" pitchFamily="66" charset="0"/>
+              </a:rPr>
+              <a:t>]</a:t>
+            </a:r>
+            <a:r>
+              <a:rPr lang="en-US" sz="6600" dirty="0" smtClean="0">
+                <a:solidFill>
+                  <a:srgbClr val="0000CC"/>
+                </a:solidFill>
+                <a:latin typeface="Comic Sans MS" pitchFamily="66" charset="0"/>
+                <a:sym typeface="Symbol" pitchFamily="18" charset="2"/>
+              </a:rPr>
+              <a:t> </a:t>
+            </a:r>
+            <a:r>
+              <a:rPr lang="en-US" sz="6600" dirty="0" err="1" smtClean="0">
+                <a:solidFill>
+                  <a:srgbClr val="0000CC"/>
+                </a:solidFill>
+                <a:latin typeface="Comic Sans MS" pitchFamily="66" charset="0"/>
+                <a:sym typeface="Symbol" pitchFamily="18" charset="2"/>
+              </a:rPr>
+              <a:t>Pr</a:t>
+            </a:r>
+            <a:r>
+              <a:rPr lang="en-US" sz="6600" dirty="0" smtClean="0">
+                <a:solidFill>
+                  <a:srgbClr val="0000CC"/>
+                </a:solidFill>
+                <a:latin typeface="Comic Sans MS" pitchFamily="66" charset="0"/>
+                <a:sym typeface="Symbol" pitchFamily="18" charset="2"/>
+              </a:rPr>
+              <a:t>[B</a:t>
+            </a:r>
+            <a:r>
+              <a:rPr lang="en-US" sz="6600" baseline="-25000" dirty="0" smtClean="0">
+                <a:solidFill>
+                  <a:srgbClr val="0000CC"/>
+                </a:solidFill>
+                <a:latin typeface="Comic Sans MS" pitchFamily="66" charset="0"/>
+                <a:sym typeface="Symbol" pitchFamily="18" charset="2"/>
+              </a:rPr>
+              <a:t>2</a:t>
+            </a:r>
+            <a:r>
+              <a:rPr lang="en-US" sz="6600" dirty="0" smtClean="0">
+                <a:solidFill>
+                  <a:srgbClr val="0000CC"/>
+                </a:solidFill>
+                <a:latin typeface="Comic Sans MS" pitchFamily="66" charset="0"/>
+                <a:sym typeface="Symbol" pitchFamily="18" charset="2"/>
+              </a:rPr>
+              <a:t>]</a:t>
+            </a:r>
+          </a:p>
+          <a:p>
+            <a:pPr algn="l"/>
+            <a:r>
+              <a:rPr lang="en-US" sz="6600" dirty="0" smtClean="0">
+                <a:solidFill>
+                  <a:srgbClr val="0000CC"/>
+                </a:solidFill>
+                <a:latin typeface="Comic Sans MS" pitchFamily="66" charset="0"/>
+              </a:rPr>
+              <a:t>       + </a:t>
+            </a:r>
+            <a:r>
+              <a:rPr lang="en-US" sz="6600" dirty="0" err="1" smtClean="0">
+                <a:solidFill>
+                  <a:srgbClr val="0000CC"/>
+                </a:solidFill>
+                <a:latin typeface="Comic Sans MS" pitchFamily="66" charset="0"/>
+              </a:rPr>
+              <a:t>Pr</a:t>
+            </a:r>
+            <a:r>
+              <a:rPr lang="en-US" sz="6600" dirty="0" smtClean="0">
+                <a:solidFill>
+                  <a:srgbClr val="0000CC"/>
+                </a:solidFill>
+                <a:latin typeface="Comic Sans MS" pitchFamily="66" charset="0"/>
+              </a:rPr>
+              <a:t>[</a:t>
+            </a:r>
+            <a:r>
+              <a:rPr lang="en-US" sz="6600" dirty="0" smtClean="0">
+                <a:solidFill>
+                  <a:srgbClr val="0000CC"/>
+                </a:solidFill>
+                <a:latin typeface="Comic Sans MS" pitchFamily="66" charset="0"/>
+                <a:sym typeface="Symbol" pitchFamily="18" charset="2"/>
+              </a:rPr>
+              <a:t>A</a:t>
+            </a:r>
+            <a:r>
+              <a:rPr lang="en-US" sz="6600" dirty="0">
+                <a:solidFill>
+                  <a:srgbClr val="0000CC"/>
+                </a:solidFill>
+                <a:latin typeface="Comic Sans MS" pitchFamily="66" charset="0"/>
+                <a:sym typeface="Symbol" pitchFamily="18" charset="2"/>
+              </a:rPr>
+              <a:t>|</a:t>
+            </a:r>
+            <a:r>
+              <a:rPr lang="en-US" sz="6600" dirty="0" smtClean="0">
+                <a:solidFill>
+                  <a:srgbClr val="0000CC"/>
+                </a:solidFill>
+                <a:latin typeface="Comic Sans MS" pitchFamily="66" charset="0"/>
+              </a:rPr>
+              <a:t>B</a:t>
+            </a:r>
+            <a:r>
+              <a:rPr lang="en-US" sz="6600" baseline="-25000" dirty="0" smtClean="0">
+                <a:solidFill>
+                  <a:srgbClr val="0000CC"/>
+                </a:solidFill>
+                <a:latin typeface="Comic Sans MS" pitchFamily="66" charset="0"/>
+              </a:rPr>
+              <a:t>3</a:t>
+            </a:r>
+            <a:r>
+              <a:rPr lang="en-US" sz="6600" dirty="0" smtClean="0">
+                <a:solidFill>
+                  <a:srgbClr val="0000CC"/>
+                </a:solidFill>
+                <a:latin typeface="Comic Sans MS" pitchFamily="66" charset="0"/>
+              </a:rPr>
+              <a:t>]</a:t>
+            </a:r>
+            <a:r>
+              <a:rPr lang="en-US" sz="6600" dirty="0" smtClean="0">
+                <a:solidFill>
+                  <a:srgbClr val="0000CC"/>
+                </a:solidFill>
+                <a:latin typeface="Comic Sans MS" pitchFamily="66" charset="0"/>
+                <a:sym typeface="Symbol" pitchFamily="18" charset="2"/>
+              </a:rPr>
+              <a:t> </a:t>
+            </a:r>
+            <a:r>
+              <a:rPr lang="en-US" sz="6600" dirty="0" err="1" smtClean="0">
+                <a:solidFill>
+                  <a:srgbClr val="0000CC"/>
+                </a:solidFill>
+                <a:latin typeface="Comic Sans MS" pitchFamily="66" charset="0"/>
+                <a:sym typeface="Symbol" pitchFamily="18" charset="2"/>
+              </a:rPr>
+              <a:t>Pr</a:t>
+            </a:r>
+            <a:r>
+              <a:rPr lang="en-US" sz="6600" dirty="0" smtClean="0">
+                <a:solidFill>
+                  <a:srgbClr val="0000CC"/>
+                </a:solidFill>
+                <a:latin typeface="Comic Sans MS" pitchFamily="66" charset="0"/>
+                <a:sym typeface="Symbol" pitchFamily="18" charset="2"/>
+              </a:rPr>
+              <a:t>[B</a:t>
+            </a:r>
+            <a:r>
+              <a:rPr lang="en-US" sz="6600" baseline="-25000" dirty="0" smtClean="0">
+                <a:solidFill>
+                  <a:srgbClr val="0000CC"/>
+                </a:solidFill>
+                <a:latin typeface="Comic Sans MS" pitchFamily="66" charset="0"/>
+                <a:sym typeface="Symbol" pitchFamily="18" charset="2"/>
+              </a:rPr>
+              <a:t>3</a:t>
+            </a:r>
+            <a:r>
+              <a:rPr lang="en-US" sz="6600" dirty="0" smtClean="0">
+                <a:solidFill>
+                  <a:srgbClr val="0000CC"/>
+                </a:solidFill>
+                <a:latin typeface="Comic Sans MS" pitchFamily="66" charset="0"/>
+                <a:sym typeface="Symbol" pitchFamily="18" charset="2"/>
+              </a:rPr>
+              <a:t>]  </a:t>
+            </a:r>
+            <a:endParaRPr lang="en-US" sz="6600" dirty="0">
+              <a:solidFill>
+                <a:srgbClr val="0000CC"/>
+              </a:solidFill>
+              <a:latin typeface="Comic Sans MS" pitchFamily="66" charset="0"/>
+              <a:sym typeface="Symbol" pitchFamily="18" charset="2"/>
+            </a:endParaRPr>
+          </a:p>
+        </p:txBody>
+      </p:sp>
+      <p:sp>
+        <p:nvSpPr>
+          <p:cNvPr id="27656" name="Rectangle 8"/>
+          <p:cNvSpPr>
+            <a:spLocks noChangeArrowheads="1"/>
+          </p:cNvSpPr>
+          <p:nvPr/>
+        </p:nvSpPr>
+        <p:spPr bwMode="auto">
+          <a:xfrm>
+            <a:off x="241904" y="2171132"/>
+            <a:ext cx="8592701" cy="3670868"/>
+          </a:xfrm>
+          <a:prstGeom prst="rect">
+            <a:avLst/>
+          </a:prstGeom>
+          <a:noFill/>
+          <a:ln w="34925" algn="ctr">
+            <a:solidFill>
+              <a:srgbClr val="FF00FF"/>
+            </a:solidFill>
+            <a:prstDash val="sysDash"/>
+            <a:miter lim="800000"/>
+            <a:headEnd/>
+            <a:tailEnd/>
+          </a:ln>
+        </p:spPr>
+        <p:txBody>
+          <a:bodyPr wrap="none" anchor="ctr"/>
+          <a:lstStyle/>
+          <a:p>
+            <a:endParaRPr lang="en-US"/>
+          </a:p>
+        </p:txBody>
+      </p:sp>
+      <p:graphicFrame>
+        <p:nvGraphicFramePr>
+          <p:cNvPr id="8" name="Object 7"/>
+          <p:cNvGraphicFramePr>
+            <a:graphicFrameLocks noChangeAspect="1"/>
+          </p:cNvGraphicFramePr>
+          <p:nvPr>
+            <p:extLst>
+              <p:ext uri="{D42A27DB-BD31-4B8C-83A1-F6EECF244321}">
+                <p14:modId xmlns:p14="http://schemas.microsoft.com/office/powerpoint/2010/main" val="2065955135"/>
+              </p:ext>
+            </p:extLst>
+          </p:nvPr>
+        </p:nvGraphicFramePr>
+        <p:xfrm>
+          <a:off x="320675" y="1035050"/>
+          <a:ext cx="8566150" cy="1136650"/>
+        </p:xfrm>
+        <a:graphic>
+          <a:graphicData uri="http://schemas.openxmlformats.org/presentationml/2006/ole">
+            <mc:AlternateContent xmlns:mc="http://schemas.openxmlformats.org/markup-compatibility/2006">
+              <mc:Choice xmlns:v="urn:schemas-microsoft-com:vml" Requires="v">
+                <p:oleObj spid="_x0000_s353318" name="Equation" r:id="rId4" imgW="2197100" imgH="292100" progId="Equation.DSMT4">
+                  <p:embed/>
+                </p:oleObj>
+              </mc:Choice>
+              <mc:Fallback>
+                <p:oleObj name="Equation" r:id="rId4" imgW="2197100" imgH="292100" progId="Equation.DSMT4">
+                  <p:embed/>
+                  <p:pic>
+                    <p:nvPicPr>
+                      <p:cNvPr id="0" name=""/>
+                      <p:cNvPicPr>
+                        <a:picLocks noChangeAspect="1" noChangeArrowheads="1"/>
+                      </p:cNvPicPr>
+                      <p:nvPr/>
+                    </p:nvPicPr>
+                    <p:blipFill>
+                      <a:blip r:embed="rId5"/>
+                      <a:srcRect/>
+                      <a:stretch>
+                        <a:fillRect/>
+                      </a:stretch>
+                    </p:blipFill>
+                    <p:spPr bwMode="auto">
+                      <a:xfrm>
+                        <a:off x="320675" y="1035050"/>
+                        <a:ext cx="8566150" cy="1136650"/>
+                      </a:xfrm>
+                      <a:prstGeom prst="rect">
+                        <a:avLst/>
+                      </a:prstGeom>
+                      <a:noFill/>
+                      <a:extLst>
+                        <a:ext uri="{909E8E84-426E-40dd-AFC4-6F175D3DCCD1}">
+                          <a14:hiddenFill xmlns:a14="http://schemas.microsoft.com/office/drawing/2010/main">
+                            <a:solidFill>
+                              <a:srgbClr val="FFFFFF"/>
+                            </a:solidFill>
+                          </a14:hiddenFill>
+                        </a:ext>
+                      </a:extLst>
+                    </p:spPr>
+                  </p:pic>
+                </p:oleObj>
+              </mc:Fallback>
+            </mc:AlternateContent>
+          </a:graphicData>
+        </a:graphic>
+      </p:graphicFrame>
+      <p:sp>
+        <p:nvSpPr>
+          <p:cNvPr id="9" name="Rectangle 4"/>
+          <p:cNvSpPr txBox="1">
+            <a:spLocks noChangeArrowheads="1"/>
+          </p:cNvSpPr>
+          <p:nvPr/>
+        </p:nvSpPr>
+        <p:spPr bwMode="auto">
+          <a:xfrm>
+            <a:off x="7696200" y="6629400"/>
+            <a:ext cx="1447800" cy="228600"/>
+          </a:xfrm>
+          <a:prstGeom prst="rect">
+            <a:avLst/>
+          </a:prstGeom>
+          <a:noFill/>
+          <a:ln w="9525">
+            <a:noFill/>
+            <a:miter lim="800000"/>
+            <a:headEnd/>
+            <a:tailEnd/>
+          </a:ln>
+          <a:effectLst/>
+        </p:spPr>
+        <p:txBody>
+          <a:bodyPr vert="horz" wrap="square" lIns="91440" tIns="45720" rIns="91440" bIns="45720" numCol="1" anchor="t" anchorCtr="0" compatLnSpc="1">
+            <a:prstTxWarp prst="textNoShape">
+              <a:avLst/>
+            </a:prstTxWarp>
+          </a:bodyPr>
+          <a:lstStyle>
+            <a:lvl1pPr algn="r">
+              <a:defRPr sz="1200" dirty="0" err="1" smtClean="0">
+                <a:latin typeface="+mn-lt"/>
+              </a:defRPr>
+            </a:lvl1pPr>
+          </a:lstStyle>
+          <a:p>
+            <a:pPr marL="0" marR="0" lvl="0" indent="0" algn="r" defTabSz="914400" rtl="0" eaLnBrk="1" fontAlgn="base" latinLnBrk="0" hangingPunct="1">
+              <a:lnSpc>
+                <a:spcPct val="100000"/>
+              </a:lnSpc>
+              <a:spcBef>
+                <a:spcPct val="0"/>
+              </a:spcBef>
+              <a:spcAft>
+                <a:spcPct val="0"/>
+              </a:spcAft>
+              <a:buClrTx/>
+              <a:buSzTx/>
+              <a:buFontTx/>
+              <a:buNone/>
+              <a:tabLst/>
+              <a:defRPr/>
+            </a:pPr>
+            <a:r>
+              <a:rPr kumimoji="0" lang="en-US" sz="1200" b="0" i="0" u="none" strike="noStrike" kern="1200" cap="none" spc="0" normalizeH="0" baseline="0" noProof="0" dirty="0" err="1" smtClean="0">
+                <a:ln>
+                  <a:noFill/>
+                </a:ln>
+                <a:solidFill>
+                  <a:schemeClr val="tx1"/>
+                </a:solidFill>
+                <a:effectLst/>
+                <a:uLnTx/>
+                <a:uFillTx/>
+                <a:latin typeface="+mn-lt"/>
+                <a:ea typeface="+mn-ea"/>
+                <a:cs typeface="+mn-cs"/>
+              </a:rPr>
+              <a:t>totalprob</a:t>
+            </a:r>
+            <a:r>
+              <a:rPr kumimoji="0" lang="en-US" sz="1200" b="0" i="0" u="none" strike="noStrike" kern="1200" cap="none" spc="0" normalizeH="0" baseline="0" noProof="0" dirty="0" smtClean="0">
+                <a:ln>
+                  <a:noFill/>
+                </a:ln>
+                <a:solidFill>
+                  <a:schemeClr val="tx1"/>
+                </a:solidFill>
+                <a:effectLst/>
+                <a:uLnTx/>
+                <a:uFillTx/>
+                <a:latin typeface="+mn-lt"/>
+                <a:ea typeface="+mn-ea"/>
+                <a:cs typeface="+mn-cs"/>
+              </a:rPr>
+              <a:t>.</a:t>
+            </a:r>
+            <a:fld id="{B9A0B45D-6AFD-413C-B761-B121FB8BE940}" type="slidenum">
+              <a:rPr kumimoji="0" lang="en-US" sz="1200" b="0" i="0" u="none" strike="noStrike" kern="1200" cap="none" spc="0" normalizeH="0" baseline="0" noProof="0" smtClean="0">
+                <a:ln>
+                  <a:noFill/>
+                </a:ln>
+                <a:solidFill>
+                  <a:schemeClr val="tx1"/>
+                </a:solidFill>
+                <a:effectLst/>
+                <a:uLnTx/>
+                <a:uFillTx/>
+                <a:latin typeface="+mn-lt"/>
+                <a:ea typeface="+mn-ea"/>
+                <a:cs typeface="+mn-cs"/>
+              </a:rPr>
+              <a:pPr marL="0" marR="0" lvl="0" indent="0" algn="r" defTabSz="914400" rtl="0" eaLnBrk="1" fontAlgn="base" latinLnBrk="0" hangingPunct="1">
+                <a:lnSpc>
+                  <a:spcPct val="100000"/>
+                </a:lnSpc>
+                <a:spcBef>
+                  <a:spcPct val="0"/>
+                </a:spcBef>
+                <a:spcAft>
+                  <a:spcPct val="0"/>
+                </a:spcAft>
+                <a:buClrTx/>
+                <a:buSzTx/>
+                <a:buFontTx/>
+                <a:buNone/>
+                <a:tabLst/>
+                <a:defRPr/>
+              </a:pPr>
+              <a:t>6</a:t>
+            </a:fld>
+            <a:endParaRPr kumimoji="0" lang="en-US" sz="1200" b="0" i="0" u="none" strike="noStrike" kern="1200" cap="none" spc="0" normalizeH="0" baseline="0" noProof="0" dirty="0">
+              <a:ln>
+                <a:noFill/>
+              </a:ln>
+              <a:solidFill>
+                <a:schemeClr val="tx1"/>
+              </a:solidFill>
+              <a:effectLst/>
+              <a:uLnTx/>
+              <a:uFillTx/>
+              <a:latin typeface="+mn-lt"/>
+              <a:ea typeface="+mn-ea"/>
+              <a:cs typeface="+mn-cs"/>
+            </a:endParaRPr>
+          </a:p>
+        </p:txBody>
+      </p:sp>
+    </p:spTree>
+    <p:extLst>
+      <p:ext uri="{BB962C8B-B14F-4D97-AF65-F5344CB8AC3E}">
+        <p14:creationId xmlns:p14="http://schemas.microsoft.com/office/powerpoint/2010/main" val="3010680459"/>
+      </p:ext>
+    </p:extLst>
+  </p:cSld>
+  <p:clrMapOvr>
+    <a:masterClrMapping/>
+  </p:clrMapOvr>
+  <mc:AlternateContent xmlns:mc="http://schemas.openxmlformats.org/markup-compatibility/2006" xmlns:p14="http://schemas.microsoft.com/office/powerpoint/2010/main">
+    <mc:Choice Requires="p14">
+      <p:transition spd="slow" p14:dur="900" advClick="0">
+        <p:fade/>
+      </p:transition>
+    </mc:Choice>
+    <mc:Fallback xmlns="">
+      <p:transition xmlns:p14="http://schemas.microsoft.com/office/powerpoint/2010/main" spd="slow" advClick="0">
+        <p:fade/>
+      </p:transition>
+    </mc:Fallback>
+  </mc:AlternateContent>
+  <p:timing>
+    <p:tnLst>
+      <p:par>
+        <p:cTn xmlns:p14="http://schemas.microsoft.com/office/powerpoint/2010/main" id="1" dur="indefinite" restart="never" nodeType="tmRoot">
+          <p:childTnLst>
+            <p:seq concurrent="1" nextAc="seek">
+              <p:cTn id="2" dur="indefinite" nodeType="mainSeq">
+                <p:childTnLst>
+                  <p:par>
+                    <p:cTn id="3" fill="hold">
+                      <p:stCondLst>
+                        <p:cond delay="indefinite"/>
+                      </p:stCondLst>
+                      <p:childTnLst>
+                        <p:par>
+                          <p:cTn id="4" fill="hold">
+                            <p:stCondLst>
+                              <p:cond delay="0"/>
+                            </p:stCondLst>
+                            <p:childTnLst>
+                              <p:par>
+                                <p:cTn id="5" presetID="10" presetClass="entr" presetSubtype="0" fill="hold" grpId="0" nodeType="clickEffect">
+                                  <p:stCondLst>
+                                    <p:cond delay="0"/>
+                                  </p:stCondLst>
+                                  <p:childTnLst>
+                                    <p:set>
+                                      <p:cBhvr>
+                                        <p:cTn id="6" dur="1" fill="hold">
+                                          <p:stCondLst>
+                                            <p:cond delay="0"/>
+                                          </p:stCondLst>
+                                        </p:cTn>
+                                        <p:tgtEl>
+                                          <p:spTgt spid="27656"/>
+                                        </p:tgtEl>
+                                        <p:attrNameLst>
+                                          <p:attrName>style.visibility</p:attrName>
+                                        </p:attrNameLst>
+                                      </p:cBhvr>
+                                      <p:to>
+                                        <p:strVal val="visible"/>
+                                      </p:to>
+                                    </p:set>
+                                    <p:animEffect transition="in" filter="fade">
+                                      <p:cBhvr>
+                                        <p:cTn id="7" dur="500"/>
+                                        <p:tgtEl>
+                                          <p:spTgt spid="27656"/>
+                                        </p:tgtEl>
+                                      </p:cBhvr>
+                                    </p:animEffect>
+                                  </p:childTnLst>
+                                </p:cTn>
+                              </p:par>
+                            </p:childTnLst>
+                          </p:cTn>
+                        </p:par>
+                      </p:childTnLst>
+                    </p:cTn>
+                  </p:par>
+                </p:childTnLst>
+              </p:cTn>
+              <p:prevCondLst>
+                <p:cond evt="onPrev" delay="0">
+                  <p:tgtEl>
+                    <p:sldTgt/>
+                  </p:tgtEl>
+                </p:cond>
+              </p:prevCondLst>
+              <p:nextCondLst>
+                <p:cond evt="onNext" delay="0">
+                  <p:tgtEl>
+                    <p:sldTgt/>
+                  </p:tgtEl>
+                </p:cond>
+              </p:nextCondLst>
+            </p:seq>
+          </p:childTnLst>
+        </p:cTn>
+      </p:par>
+    </p:tnLst>
+    <p:bldLst>
+      <p:bldP spid="27656" grpId="0" animBg="1"/>
+    </p:bldLst>
+  </p:timing>
+</p:sld>
+</file>
+
+<file path=ppt/slides/slide7.xml><?xml version="1.0" encoding="utf-8"?>
+<p:sld xmlns:a="http://schemas.openxmlformats.org/drawingml/2006/main" xmlns:r="http://schemas.openxmlformats.org/officeDocument/2006/relationships" xmlns:p="http://schemas.openxmlformats.org/presentationml/2006/main">
+  <p:cSld>
+    <p:spTree>
+      <p:nvGrpSpPr>
+        <p:cNvPr id="1" name=""/>
+        <p:cNvGrpSpPr/>
+        <p:nvPr/>
+      </p:nvGrpSpPr>
+      <p:grpSpPr>
+        <a:xfrm>
+          <a:off x="0" y="0"/>
+          <a:ext cx="0" cy="0"/>
+          <a:chOff x="0" y="0"/>
+          <a:chExt cx="0" cy="0"/>
+        </a:xfrm>
+      </p:grpSpPr>
+      <p:sp>
+        <p:nvSpPr>
+          <p:cNvPr id="6" name="Slide Number Placeholder 3"/>
+          <p:cNvSpPr>
+            <a:spLocks noGrp="1"/>
+          </p:cNvSpPr>
+          <p:nvPr>
+            <p:ph type="sldNum" sz="quarter" idx="4"/>
+          </p:nvPr>
+        </p:nvSpPr>
+        <p:spPr>
+          <a:xfrm>
+            <a:off x="7696200" y="6629400"/>
+            <a:ext cx="1447800" cy="228600"/>
+          </a:xfrm>
+        </p:spPr>
+        <p:txBody>
+          <a:bodyPr/>
+          <a:lstStyle/>
+          <a:p>
+            <a:pPr>
+              <a:defRPr/>
+            </a:pPr>
+            <a:r>
+              <a:rPr lang="en-US" dirty="0" err="1" smtClean="0"/>
+              <a:t>totalprob</a:t>
+            </a:r>
+            <a:r>
+              <a:rPr lang="en-US" dirty="0" smtClean="0"/>
+              <a:t>.</a:t>
+            </a:r>
             <a:fld id="{03C11430-3E20-4689-8402-8D86748BEC1A}" type="slidenum">
               <a:rPr lang="en-US" smtClean="0"/>
               <a:pPr>
                 <a:defRPr/>
               </a:pPr>
-              <a:t>6</a:t>
+              <a:t>7</a:t>
             </a:fld>
             <a:endParaRPr lang="en-US" dirty="0"/>
           </a:p>
@@ -9359,7 +10352,7 @@
           <a:graphicData uri="http://schemas.openxmlformats.org/presentationml/2006/ole">
             <mc:AlternateContent xmlns:mc="http://schemas.openxmlformats.org/markup-compatibility/2006">
               <mc:Choice xmlns:v="urn:schemas-microsoft-com:vml" Requires="v">
-                <p:oleObj spid="_x0000_s327769" name="Equation" r:id="rId4" imgW="1435100" imgH="381000" progId="Equation.DSMT4">
+                <p:oleObj spid="_x0000_s327774" name="Equation" r:id="rId4" imgW="1435100" imgH="381000" progId="Equation.DSMT4">
                   <p:embed/>
                 </p:oleObj>
               </mc:Choice>
@@ -9429,7 +10422,7 @@
           <a:graphicData uri="http://schemas.openxmlformats.org/presentationml/2006/ole">
             <mc:AlternateContent xmlns:mc="http://schemas.openxmlformats.org/markup-compatibility/2006">
               <mc:Choice xmlns:v="urn:schemas-microsoft-com:vml" Requires="v">
-                <p:oleObj spid="_x0000_s327770" name="Equation" r:id="rId6" imgW="1422400" imgH="381000" progId="Equation.DSMT4">
+                <p:oleObj spid="_x0000_s327775" name="Equation" r:id="rId6" imgW="1422400" imgH="381000" progId="Equation.DSMT4">
                   <p:embed/>
                 </p:oleObj>
               </mc:Choice>
@@ -9599,7 +10592,7 @@
                 <a:tabLst/>
                 <a:defRPr/>
               </a:pPr>
-              <a:t>6</a:t>
+              <a:t>7</a:t>
             </a:fld>
             <a:endParaRPr kumimoji="0" lang="en-US" sz="1200" b="0" i="0" u="none" strike="noStrike" kern="1200" cap="none" spc="0" normalizeH="0" baseline="0" noProof="0" dirty="0">
               <a:ln>
